--- a/figure-assembly/figure-1.pptx
+++ b/figure-assembly/figure-1.pptx
@@ -243,7 +243,7 @@
           <a:p>
             <a:fld id="{25EC0CD3-564D-9742-98B5-86271438CCE6}" type="datetimeFigureOut">
               <a:rPr lang="en-US" smtClean="0"/>
-              <a:t>10/19/18</a:t>
+              <a:t>10/28/18</a:t>
             </a:fld>
             <a:endParaRPr lang="en-US"/>
           </a:p>
@@ -413,7 +413,7 @@
           <a:p>
             <a:fld id="{25EC0CD3-564D-9742-98B5-86271438CCE6}" type="datetimeFigureOut">
               <a:rPr lang="en-US" smtClean="0"/>
-              <a:t>10/19/18</a:t>
+              <a:t>10/28/18</a:t>
             </a:fld>
             <a:endParaRPr lang="en-US"/>
           </a:p>
@@ -593,7 +593,7 @@
           <a:p>
             <a:fld id="{25EC0CD3-564D-9742-98B5-86271438CCE6}" type="datetimeFigureOut">
               <a:rPr lang="en-US" smtClean="0"/>
-              <a:t>10/19/18</a:t>
+              <a:t>10/28/18</a:t>
             </a:fld>
             <a:endParaRPr lang="en-US"/>
           </a:p>
@@ -763,7 +763,7 @@
           <a:p>
             <a:fld id="{25EC0CD3-564D-9742-98B5-86271438CCE6}" type="datetimeFigureOut">
               <a:rPr lang="en-US" smtClean="0"/>
-              <a:t>10/19/18</a:t>
+              <a:t>10/28/18</a:t>
             </a:fld>
             <a:endParaRPr lang="en-US"/>
           </a:p>
@@ -1007,7 +1007,7 @@
           <a:p>
             <a:fld id="{25EC0CD3-564D-9742-98B5-86271438CCE6}" type="datetimeFigureOut">
               <a:rPr lang="en-US" smtClean="0"/>
-              <a:t>10/19/18</a:t>
+              <a:t>10/28/18</a:t>
             </a:fld>
             <a:endParaRPr lang="en-US"/>
           </a:p>
@@ -1239,7 +1239,7 @@
           <a:p>
             <a:fld id="{25EC0CD3-564D-9742-98B5-86271438CCE6}" type="datetimeFigureOut">
               <a:rPr lang="en-US" smtClean="0"/>
-              <a:t>10/19/18</a:t>
+              <a:t>10/28/18</a:t>
             </a:fld>
             <a:endParaRPr lang="en-US"/>
           </a:p>
@@ -1606,7 +1606,7 @@
           <a:p>
             <a:fld id="{25EC0CD3-564D-9742-98B5-86271438CCE6}" type="datetimeFigureOut">
               <a:rPr lang="en-US" smtClean="0"/>
-              <a:t>10/19/18</a:t>
+              <a:t>10/28/18</a:t>
             </a:fld>
             <a:endParaRPr lang="en-US"/>
           </a:p>
@@ -1724,7 +1724,7 @@
           <a:p>
             <a:fld id="{25EC0CD3-564D-9742-98B5-86271438CCE6}" type="datetimeFigureOut">
               <a:rPr lang="en-US" smtClean="0"/>
-              <a:t>10/19/18</a:t>
+              <a:t>10/28/18</a:t>
             </a:fld>
             <a:endParaRPr lang="en-US"/>
           </a:p>
@@ -1819,7 +1819,7 @@
           <a:p>
             <a:fld id="{25EC0CD3-564D-9742-98B5-86271438CCE6}" type="datetimeFigureOut">
               <a:rPr lang="en-US" smtClean="0"/>
-              <a:t>10/19/18</a:t>
+              <a:t>10/28/18</a:t>
             </a:fld>
             <a:endParaRPr lang="en-US"/>
           </a:p>
@@ -2096,7 +2096,7 @@
           <a:p>
             <a:fld id="{25EC0CD3-564D-9742-98B5-86271438CCE6}" type="datetimeFigureOut">
               <a:rPr lang="en-US" smtClean="0"/>
-              <a:t>10/19/18</a:t>
+              <a:t>10/28/18</a:t>
             </a:fld>
             <a:endParaRPr lang="en-US"/>
           </a:p>
@@ -2353,7 +2353,7 @@
           <a:p>
             <a:fld id="{25EC0CD3-564D-9742-98B5-86271438CCE6}" type="datetimeFigureOut">
               <a:rPr lang="en-US" smtClean="0"/>
-              <a:t>10/19/18</a:t>
+              <a:t>10/28/18</a:t>
             </a:fld>
             <a:endParaRPr lang="en-US"/>
           </a:p>
@@ -2566,7 +2566,7 @@
           <a:p>
             <a:fld id="{25EC0CD3-564D-9742-98B5-86271438CCE6}" type="datetimeFigureOut">
               <a:rPr lang="en-US" smtClean="0"/>
-              <a:t>10/19/18</a:t>
+              <a:t>10/28/18</a:t>
             </a:fld>
             <a:endParaRPr lang="en-US"/>
           </a:p>
@@ -2973,10 +2973,10 @@
       </p:grpSpPr>
       <p:pic>
         <p:nvPicPr>
-          <p:cNvPr id="41" name="Picture 40">
+          <p:cNvPr id="8" name="Picture 7">
             <a:extLst>
               <a:ext uri="{FF2B5EF4-FFF2-40B4-BE49-F238E27FC236}">
-                <a16:creationId xmlns:a16="http://schemas.microsoft.com/office/drawing/2014/main" id="{C9856986-5BDF-C04E-8545-65039FCF9D39}"/>
+                <a16:creationId xmlns:a16="http://schemas.microsoft.com/office/drawing/2014/main" id="{DC85F987-E983-BB47-9611-A5328A004DB4}"/>
               </a:ext>
             </a:extLst>
           </p:cNvPr>
@@ -2993,14 +2993,80 @@
         </p:blipFill>
         <p:spPr>
           <a:xfrm>
-            <a:off x="678492" y="473829"/>
-            <a:ext cx="4744093" cy="2913257"/>
+            <a:off x="6056961" y="694508"/>
+            <a:ext cx="3780000" cy="1788750"/>
           </a:xfrm>
           <a:prstGeom prst="rect">
             <a:avLst/>
           </a:prstGeom>
         </p:spPr>
       </p:pic>
+      <p:pic>
+        <p:nvPicPr>
+          <p:cNvPr id="41" name="Picture 40">
+            <a:extLst>
+              <a:ext uri="{FF2B5EF4-FFF2-40B4-BE49-F238E27FC236}">
+                <a16:creationId xmlns:a16="http://schemas.microsoft.com/office/drawing/2014/main" id="{C9856986-5BDF-C04E-8545-65039FCF9D39}"/>
+              </a:ext>
+            </a:extLst>
+          </p:cNvPr>
+          <p:cNvPicPr>
+            <a:picLocks noChangeAspect="1"/>
+          </p:cNvPicPr>
+          <p:nvPr/>
+        </p:nvPicPr>
+        <p:blipFill>
+          <a:blip r:embed="rId3"/>
+          <a:stretch>
+            <a:fillRect/>
+          </a:stretch>
+        </p:blipFill>
+        <p:spPr>
+          <a:xfrm>
+            <a:off x="274233" y="473830"/>
+            <a:ext cx="5292000" cy="3249716"/>
+          </a:xfrm>
+          <a:prstGeom prst="rect">
+            <a:avLst/>
+          </a:prstGeom>
+        </p:spPr>
+      </p:pic>
+      <p:sp>
+        <p:nvSpPr>
+          <p:cNvPr id="13" name="TextBox 12">
+            <a:extLst>
+              <a:ext uri="{FF2B5EF4-FFF2-40B4-BE49-F238E27FC236}">
+                <a16:creationId xmlns:a16="http://schemas.microsoft.com/office/drawing/2014/main" id="{9308840A-C341-704D-BBB1-8770F1D934A5}"/>
+              </a:ext>
+            </a:extLst>
+          </p:cNvPr>
+          <p:cNvSpPr txBox="1"/>
+          <p:nvPr/>
+        </p:nvSpPr>
+        <p:spPr>
+          <a:xfrm>
+            <a:off x="271628" y="279709"/>
+            <a:ext cx="653849" cy="447943"/>
+          </a:xfrm>
+          <a:prstGeom prst="rect">
+            <a:avLst/>
+          </a:prstGeom>
+          <a:noFill/>
+        </p:spPr>
+        <p:txBody>
+          <a:bodyPr wrap="square" rtlCol="0">
+            <a:spAutoFit/>
+          </a:bodyPr>
+          <a:lstStyle/>
+          <a:p>
+            <a:pPr algn="ctr"/>
+            <a:r>
+              <a:rPr lang="en-US" sz="2311" dirty="0"/>
+              <a:t>A</a:t>
+            </a:r>
+          </a:p>
+        </p:txBody>
+      </p:sp>
       <p:pic>
         <p:nvPicPr>
           <p:cNvPr id="17" name="Picture 16">
@@ -3016,15 +3082,15 @@
           <p:nvPr/>
         </p:nvPicPr>
         <p:blipFill>
-          <a:blip r:embed="rId3"/>
+          <a:blip r:embed="rId4"/>
           <a:stretch>
             <a:fillRect/>
           </a:stretch>
         </p:blipFill>
         <p:spPr>
           <a:xfrm>
-            <a:off x="1195693" y="3494162"/>
-            <a:ext cx="3060000" cy="3181895"/>
+            <a:off x="2060408" y="4132255"/>
+            <a:ext cx="2596566" cy="2700000"/>
           </a:xfrm>
           <a:prstGeom prst="rect">
             <a:avLst/>
@@ -3046,93 +3112,21 @@
           <p:nvPr/>
         </p:nvPicPr>
         <p:blipFill>
-          <a:blip r:embed="rId4"/>
+          <a:blip r:embed="rId5"/>
           <a:stretch>
             <a:fillRect/>
           </a:stretch>
         </p:blipFill>
         <p:spPr>
           <a:xfrm>
-            <a:off x="5746698" y="3494163"/>
-            <a:ext cx="3060000" cy="3181895"/>
+            <a:off x="5866514" y="4132255"/>
+            <a:ext cx="2596566" cy="2700000"/>
           </a:xfrm>
           <a:prstGeom prst="rect">
             <a:avLst/>
           </a:prstGeom>
         </p:spPr>
       </p:pic>
-      <p:sp>
-        <p:nvSpPr>
-          <p:cNvPr id="13" name="TextBox 12">
-            <a:extLst>
-              <a:ext uri="{FF2B5EF4-FFF2-40B4-BE49-F238E27FC236}">
-                <a16:creationId xmlns:a16="http://schemas.microsoft.com/office/drawing/2014/main" id="{9308840A-C341-704D-BBB1-8770F1D934A5}"/>
-              </a:ext>
-            </a:extLst>
-          </p:cNvPr>
-          <p:cNvSpPr txBox="1"/>
-          <p:nvPr/>
-        </p:nvSpPr>
-        <p:spPr>
-          <a:xfrm>
-            <a:off x="560384" y="241209"/>
-            <a:ext cx="653849" cy="447943"/>
-          </a:xfrm>
-          <a:prstGeom prst="rect">
-            <a:avLst/>
-          </a:prstGeom>
-          <a:noFill/>
-        </p:spPr>
-        <p:txBody>
-          <a:bodyPr wrap="square" rtlCol="0">
-            <a:spAutoFit/>
-          </a:bodyPr>
-          <a:lstStyle/>
-          <a:p>
-            <a:pPr algn="ctr"/>
-            <a:r>
-              <a:rPr lang="en-US" sz="2311" dirty="0"/>
-              <a:t>A</a:t>
-            </a:r>
-          </a:p>
-        </p:txBody>
-      </p:sp>
-      <p:sp>
-        <p:nvSpPr>
-          <p:cNvPr id="10" name="TextBox 9">
-            <a:extLst>
-              <a:ext uri="{FF2B5EF4-FFF2-40B4-BE49-F238E27FC236}">
-                <a16:creationId xmlns:a16="http://schemas.microsoft.com/office/drawing/2014/main" id="{324A0948-3C87-984B-92AC-9DF17C12DB5F}"/>
-              </a:ext>
-            </a:extLst>
-          </p:cNvPr>
-          <p:cNvSpPr txBox="1"/>
-          <p:nvPr/>
-        </p:nvSpPr>
-        <p:spPr>
-          <a:xfrm>
-            <a:off x="5666662" y="241555"/>
-            <a:ext cx="653849" cy="447943"/>
-          </a:xfrm>
-          <a:prstGeom prst="rect">
-            <a:avLst/>
-          </a:prstGeom>
-          <a:noFill/>
-        </p:spPr>
-        <p:txBody>
-          <a:bodyPr wrap="square" rtlCol="0">
-            <a:spAutoFit/>
-          </a:bodyPr>
-          <a:lstStyle/>
-          <a:p>
-            <a:pPr algn="ctr"/>
-            <a:r>
-              <a:rPr lang="en-US" sz="2311" dirty="0"/>
-              <a:t>B</a:t>
-            </a:r>
-          </a:p>
-        </p:txBody>
-      </p:sp>
       <p:sp>
         <p:nvSpPr>
           <p:cNvPr id="19" name="TextBox 18">
@@ -3147,7 +3141,7 @@
         </p:nvSpPr>
         <p:spPr>
           <a:xfrm>
-            <a:off x="5244234" y="3060450"/>
+            <a:off x="5359043" y="3684312"/>
             <a:ext cx="653849" cy="447943"/>
           </a:xfrm>
           <a:prstGeom prst="rect">
@@ -3183,7 +3177,7 @@
         </p:nvSpPr>
         <p:spPr>
           <a:xfrm>
-            <a:off x="602040" y="3103185"/>
+            <a:off x="1507808" y="3684312"/>
             <a:ext cx="653849" cy="447943"/>
           </a:xfrm>
           <a:prstGeom prst="rect">
@@ -3205,36 +3199,6 @@
           </a:p>
         </p:txBody>
       </p:sp>
-      <p:pic>
-        <p:nvPicPr>
-          <p:cNvPr id="8" name="Picture 7">
-            <a:extLst>
-              <a:ext uri="{FF2B5EF4-FFF2-40B4-BE49-F238E27FC236}">
-                <a16:creationId xmlns:a16="http://schemas.microsoft.com/office/drawing/2014/main" id="{DC85F987-E983-BB47-9611-A5328A004DB4}"/>
-              </a:ext>
-            </a:extLst>
-          </p:cNvPr>
-          <p:cNvPicPr>
-            <a:picLocks noChangeAspect="1"/>
-          </p:cNvPicPr>
-          <p:nvPr/>
-        </p:nvPicPr>
-        <p:blipFill>
-          <a:blip r:embed="rId5"/>
-          <a:stretch>
-            <a:fillRect/>
-          </a:stretch>
-        </p:blipFill>
-        <p:spPr>
-          <a:xfrm>
-            <a:off x="5793886" y="689152"/>
-            <a:ext cx="3314519" cy="1568477"/>
-          </a:xfrm>
-          <a:prstGeom prst="rect">
-            <a:avLst/>
-          </a:prstGeom>
-        </p:spPr>
-      </p:pic>
       <p:sp>
         <p:nvSpPr>
           <p:cNvPr id="11" name="TextBox 10">
@@ -3249,7 +3213,7 @@
         </p:nvSpPr>
         <p:spPr>
           <a:xfrm>
-            <a:off x="2322763" y="3220200"/>
+            <a:off x="2898218" y="3847238"/>
             <a:ext cx="1197864" cy="338554"/>
           </a:xfrm>
           <a:prstGeom prst="rect">
@@ -3285,7 +3249,7 @@
         </p:nvSpPr>
         <p:spPr>
           <a:xfrm>
-            <a:off x="6871447" y="3205539"/>
+            <a:off x="6692598" y="3828232"/>
             <a:ext cx="1197864" cy="338554"/>
           </a:xfrm>
           <a:prstGeom prst="rect">
@@ -3320,9 +3284,9 @@
           <p:nvPr/>
         </p:nvSpPr>
         <p:spPr>
-          <a:xfrm rot="19700041">
-            <a:off x="2354569" y="5393589"/>
-            <a:ext cx="1721922" cy="276999"/>
+          <a:xfrm rot="19703640">
+            <a:off x="2782817" y="5700355"/>
+            <a:ext cx="1721922" cy="246221"/>
           </a:xfrm>
           <a:prstGeom prst="rect">
             <a:avLst/>
@@ -3337,7 +3301,7 @@
           <a:p>
             <a:pPr algn="ctr"/>
             <a:r>
-              <a:rPr lang="en-US" sz="1200" dirty="0"/>
+              <a:rPr lang="en-US" sz="1000" dirty="0"/>
               <a:t>nutrient quality</a:t>
             </a:r>
           </a:p>
@@ -3356,9 +3320,9 @@
           <p:nvPr/>
         </p:nvSpPr>
         <p:spPr>
-          <a:xfrm rot="1508882">
-            <a:off x="1945818" y="3831106"/>
-            <a:ext cx="1925781" cy="276999"/>
+          <a:xfrm rot="1438059">
+            <a:off x="2554547" y="4444833"/>
+            <a:ext cx="1925781" cy="246221"/>
           </a:xfrm>
           <a:prstGeom prst="rect">
             <a:avLst/>
@@ -3373,7 +3337,7 @@
           <a:p>
             <a:pPr algn="ctr"/>
             <a:r>
-              <a:rPr lang="en-US" sz="1200" dirty="0"/>
+              <a:rPr lang="en-US" sz="1000" dirty="0"/>
               <a:t>chloramphenicol</a:t>
             </a:r>
           </a:p>
@@ -3392,9 +3356,9 @@
           <p:nvPr/>
         </p:nvSpPr>
         <p:spPr>
-          <a:xfrm rot="3219724">
-            <a:off x="6793474" y="4511122"/>
-            <a:ext cx="1858123" cy="461665"/>
+          <a:xfrm rot="3055022">
+            <a:off x="6533791" y="4835894"/>
+            <a:ext cx="1858123" cy="246221"/>
           </a:xfrm>
           <a:prstGeom prst="rect">
             <a:avLst/>
@@ -3409,7 +3373,7 @@
           <a:p>
             <a:pPr algn="ctr"/>
             <a:r>
-              <a:rPr lang="en-US" sz="1200" dirty="0"/>
+              <a:rPr lang="en-US" sz="1000" dirty="0"/>
               <a:t>useless expression strength</a:t>
             </a:r>
           </a:p>
@@ -3431,8 +3395,8 @@
         </p:nvCxnSpPr>
         <p:spPr>
           <a:xfrm flipV="1">
-            <a:off x="2334951" y="4933280"/>
-            <a:ext cx="1431177" cy="875256"/>
+            <a:off x="2919719" y="5293957"/>
+            <a:ext cx="1320353" cy="785185"/>
           </a:xfrm>
           <a:prstGeom prst="straightConnector1">
             <a:avLst/>
@@ -3475,7 +3439,7 @@
         </p:nvCxnSpPr>
         <p:spPr>
           <a:xfrm rot="21391427" flipH="1" flipV="1">
-            <a:off x="2011631" y="3713899"/>
+            <a:off x="2646964" y="4251021"/>
             <a:ext cx="1581397" cy="852073"/>
           </a:xfrm>
           <a:prstGeom prst="straightConnector1">
@@ -3519,8 +3483,8 @@
         </p:nvCxnSpPr>
         <p:spPr>
           <a:xfrm flipH="1" flipV="1">
-            <a:off x="6940897" y="4190037"/>
-            <a:ext cx="964614" cy="1251597"/>
+            <a:off x="6781568" y="4619715"/>
+            <a:ext cx="938383" cy="1149864"/>
           </a:xfrm>
           <a:prstGeom prst="straightConnector1">
             <a:avLst/>
@@ -3561,8 +3525,8 @@
         </p:nvSpPr>
         <p:spPr>
           <a:xfrm>
-            <a:off x="7944322" y="5519099"/>
-            <a:ext cx="931826" cy="461665"/>
+            <a:off x="7647377" y="5805297"/>
+            <a:ext cx="931826" cy="400110"/>
           </a:xfrm>
           <a:prstGeom prst="rect">
             <a:avLst/>
@@ -3577,7 +3541,7 @@
           <a:p>
             <a:pPr algn="ctr"/>
             <a:r>
-              <a:rPr lang="en-US" sz="1200" dirty="0"/>
+              <a:rPr lang="en-US" sz="1000" dirty="0"/>
               <a:t>nutrient quality</a:t>
             </a:r>
           </a:p>
@@ -3599,7 +3563,7 @@
         </p:nvCxnSpPr>
         <p:spPr>
           <a:xfrm>
-            <a:off x="6906349" y="5758891"/>
+            <a:off x="6646128" y="6038260"/>
             <a:ext cx="1209262" cy="0"/>
           </a:xfrm>
           <a:prstGeom prst="straightConnector1">
@@ -3627,6 +3591,42 @@
           </a:fontRef>
         </p:style>
       </p:cxnSp>
+      <p:sp>
+        <p:nvSpPr>
+          <p:cNvPr id="10" name="TextBox 9">
+            <a:extLst>
+              <a:ext uri="{FF2B5EF4-FFF2-40B4-BE49-F238E27FC236}">
+                <a16:creationId xmlns:a16="http://schemas.microsoft.com/office/drawing/2014/main" id="{324A0948-3C87-984B-92AC-9DF17C12DB5F}"/>
+              </a:ext>
+            </a:extLst>
+          </p:cNvPr>
+          <p:cNvSpPr txBox="1"/>
+          <p:nvPr/>
+        </p:nvSpPr>
+        <p:spPr>
+          <a:xfrm>
+            <a:off x="5907296" y="279709"/>
+            <a:ext cx="653849" cy="447943"/>
+          </a:xfrm>
+          <a:prstGeom prst="rect">
+            <a:avLst/>
+          </a:prstGeom>
+          <a:noFill/>
+        </p:spPr>
+        <p:txBody>
+          <a:bodyPr wrap="square" rtlCol="0">
+            <a:spAutoFit/>
+          </a:bodyPr>
+          <a:lstStyle/>
+          <a:p>
+            <a:pPr algn="ctr"/>
+            <a:r>
+              <a:rPr lang="en-US" sz="2311" dirty="0"/>
+              <a:t>B</a:t>
+            </a:r>
+          </a:p>
+        </p:txBody>
+      </p:sp>
     </p:spTree>
     <p:extLst>
       <p:ext uri="{BB962C8B-B14F-4D97-AF65-F5344CB8AC3E}">

--- a/figure-assembly/figure-1.pptx
+++ b/figure-assembly/figure-1.pptx
@@ -243,7 +243,7 @@
           <a:p>
             <a:fld id="{25EC0CD3-564D-9742-98B5-86271438CCE6}" type="datetimeFigureOut">
               <a:rPr lang="en-US" smtClean="0"/>
-              <a:t>10/28/18</a:t>
+              <a:t>10/30/18</a:t>
             </a:fld>
             <a:endParaRPr lang="en-US"/>
           </a:p>
@@ -413,7 +413,7 @@
           <a:p>
             <a:fld id="{25EC0CD3-564D-9742-98B5-86271438CCE6}" type="datetimeFigureOut">
               <a:rPr lang="en-US" smtClean="0"/>
-              <a:t>10/28/18</a:t>
+              <a:t>10/30/18</a:t>
             </a:fld>
             <a:endParaRPr lang="en-US"/>
           </a:p>
@@ -593,7 +593,7 @@
           <a:p>
             <a:fld id="{25EC0CD3-564D-9742-98B5-86271438CCE6}" type="datetimeFigureOut">
               <a:rPr lang="en-US" smtClean="0"/>
-              <a:t>10/28/18</a:t>
+              <a:t>10/30/18</a:t>
             </a:fld>
             <a:endParaRPr lang="en-US"/>
           </a:p>
@@ -763,7 +763,7 @@
           <a:p>
             <a:fld id="{25EC0CD3-564D-9742-98B5-86271438CCE6}" type="datetimeFigureOut">
               <a:rPr lang="en-US" smtClean="0"/>
-              <a:t>10/28/18</a:t>
+              <a:t>10/30/18</a:t>
             </a:fld>
             <a:endParaRPr lang="en-US"/>
           </a:p>
@@ -1007,7 +1007,7 @@
           <a:p>
             <a:fld id="{25EC0CD3-564D-9742-98B5-86271438CCE6}" type="datetimeFigureOut">
               <a:rPr lang="en-US" smtClean="0"/>
-              <a:t>10/28/18</a:t>
+              <a:t>10/30/18</a:t>
             </a:fld>
             <a:endParaRPr lang="en-US"/>
           </a:p>
@@ -1239,7 +1239,7 @@
           <a:p>
             <a:fld id="{25EC0CD3-564D-9742-98B5-86271438CCE6}" type="datetimeFigureOut">
               <a:rPr lang="en-US" smtClean="0"/>
-              <a:t>10/28/18</a:t>
+              <a:t>10/30/18</a:t>
             </a:fld>
             <a:endParaRPr lang="en-US"/>
           </a:p>
@@ -1606,7 +1606,7 @@
           <a:p>
             <a:fld id="{25EC0CD3-564D-9742-98B5-86271438CCE6}" type="datetimeFigureOut">
               <a:rPr lang="en-US" smtClean="0"/>
-              <a:t>10/28/18</a:t>
+              <a:t>10/30/18</a:t>
             </a:fld>
             <a:endParaRPr lang="en-US"/>
           </a:p>
@@ -1724,7 +1724,7 @@
           <a:p>
             <a:fld id="{25EC0CD3-564D-9742-98B5-86271438CCE6}" type="datetimeFigureOut">
               <a:rPr lang="en-US" smtClean="0"/>
-              <a:t>10/28/18</a:t>
+              <a:t>10/30/18</a:t>
             </a:fld>
             <a:endParaRPr lang="en-US"/>
           </a:p>
@@ -1819,7 +1819,7 @@
           <a:p>
             <a:fld id="{25EC0CD3-564D-9742-98B5-86271438CCE6}" type="datetimeFigureOut">
               <a:rPr lang="en-US" smtClean="0"/>
-              <a:t>10/28/18</a:t>
+              <a:t>10/30/18</a:t>
             </a:fld>
             <a:endParaRPr lang="en-US"/>
           </a:p>
@@ -2096,7 +2096,7 @@
           <a:p>
             <a:fld id="{25EC0CD3-564D-9742-98B5-86271438CCE6}" type="datetimeFigureOut">
               <a:rPr lang="en-US" smtClean="0"/>
-              <a:t>10/28/18</a:t>
+              <a:t>10/30/18</a:t>
             </a:fld>
             <a:endParaRPr lang="en-US"/>
           </a:p>
@@ -2353,7 +2353,7 @@
           <a:p>
             <a:fld id="{25EC0CD3-564D-9742-98B5-86271438CCE6}" type="datetimeFigureOut">
               <a:rPr lang="en-US" smtClean="0"/>
-              <a:t>10/28/18</a:t>
+              <a:t>10/30/18</a:t>
             </a:fld>
             <a:endParaRPr lang="en-US"/>
           </a:p>
@@ -2566,7 +2566,7 @@
           <a:p>
             <a:fld id="{25EC0CD3-564D-9742-98B5-86271438CCE6}" type="datetimeFigureOut">
               <a:rPr lang="en-US" smtClean="0"/>
-              <a:t>10/28/18</a:t>
+              <a:t>10/30/18</a:t>
             </a:fld>
             <a:endParaRPr lang="en-US"/>
           </a:p>
@@ -2973,10 +2973,10 @@
       </p:grpSpPr>
       <p:pic>
         <p:nvPicPr>
-          <p:cNvPr id="8" name="Picture 7">
+          <p:cNvPr id="5" name="Picture 4">
             <a:extLst>
               <a:ext uri="{FF2B5EF4-FFF2-40B4-BE49-F238E27FC236}">
-                <a16:creationId xmlns:a16="http://schemas.microsoft.com/office/drawing/2014/main" id="{DC85F987-E983-BB47-9611-A5328A004DB4}"/>
+                <a16:creationId xmlns:a16="http://schemas.microsoft.com/office/drawing/2014/main" id="{1D4AA84E-614B-0F42-8352-7C8EE14689E4}"/>
               </a:ext>
             </a:extLst>
           </p:cNvPr>
@@ -2993,8 +2993,8 @@
         </p:blipFill>
         <p:spPr>
           <a:xfrm>
-            <a:off x="6056961" y="694508"/>
-            <a:ext cx="3780000" cy="1788750"/>
+            <a:off x="302885" y="498958"/>
+            <a:ext cx="5402348" cy="3240000"/>
           </a:xfrm>
           <a:prstGeom prst="rect">
             <a:avLst/>
@@ -3003,10 +3003,10 @@
       </p:pic>
       <p:pic>
         <p:nvPicPr>
-          <p:cNvPr id="41" name="Picture 40">
+          <p:cNvPr id="8" name="Picture 7">
             <a:extLst>
               <a:ext uri="{FF2B5EF4-FFF2-40B4-BE49-F238E27FC236}">
-                <a16:creationId xmlns:a16="http://schemas.microsoft.com/office/drawing/2014/main" id="{C9856986-5BDF-C04E-8545-65039FCF9D39}"/>
+                <a16:creationId xmlns:a16="http://schemas.microsoft.com/office/drawing/2014/main" id="{DC85F987-E983-BB47-9611-A5328A004DB4}"/>
               </a:ext>
             </a:extLst>
           </p:cNvPr>
@@ -3023,8 +3023,8 @@
         </p:blipFill>
         <p:spPr>
           <a:xfrm>
-            <a:off x="274233" y="473830"/>
-            <a:ext cx="5292000" cy="3249716"/>
+            <a:off x="6056961" y="694508"/>
+            <a:ext cx="3780000" cy="1788750"/>
           </a:xfrm>
           <a:prstGeom prst="rect">
             <a:avLst/>

--- a/figure-assembly/figure-1.pptx
+++ b/figure-assembly/figure-1.pptx
@@ -243,7 +243,7 @@
           <a:p>
             <a:fld id="{25EC0CD3-564D-9742-98B5-86271438CCE6}" type="datetimeFigureOut">
               <a:rPr lang="en-US" smtClean="0"/>
-              <a:t>10/30/18</a:t>
+              <a:t>11/11/18</a:t>
             </a:fld>
             <a:endParaRPr lang="en-US"/>
           </a:p>
@@ -413,7 +413,7 @@
           <a:p>
             <a:fld id="{25EC0CD3-564D-9742-98B5-86271438CCE6}" type="datetimeFigureOut">
               <a:rPr lang="en-US" smtClean="0"/>
-              <a:t>10/30/18</a:t>
+              <a:t>11/11/18</a:t>
             </a:fld>
             <a:endParaRPr lang="en-US"/>
           </a:p>
@@ -593,7 +593,7 @@
           <a:p>
             <a:fld id="{25EC0CD3-564D-9742-98B5-86271438CCE6}" type="datetimeFigureOut">
               <a:rPr lang="en-US" smtClean="0"/>
-              <a:t>10/30/18</a:t>
+              <a:t>11/11/18</a:t>
             </a:fld>
             <a:endParaRPr lang="en-US"/>
           </a:p>
@@ -763,7 +763,7 @@
           <a:p>
             <a:fld id="{25EC0CD3-564D-9742-98B5-86271438CCE6}" type="datetimeFigureOut">
               <a:rPr lang="en-US" smtClean="0"/>
-              <a:t>10/30/18</a:t>
+              <a:t>11/11/18</a:t>
             </a:fld>
             <a:endParaRPr lang="en-US"/>
           </a:p>
@@ -1007,7 +1007,7 @@
           <a:p>
             <a:fld id="{25EC0CD3-564D-9742-98B5-86271438CCE6}" type="datetimeFigureOut">
               <a:rPr lang="en-US" smtClean="0"/>
-              <a:t>10/30/18</a:t>
+              <a:t>11/11/18</a:t>
             </a:fld>
             <a:endParaRPr lang="en-US"/>
           </a:p>
@@ -1239,7 +1239,7 @@
           <a:p>
             <a:fld id="{25EC0CD3-564D-9742-98B5-86271438CCE6}" type="datetimeFigureOut">
               <a:rPr lang="en-US" smtClean="0"/>
-              <a:t>10/30/18</a:t>
+              <a:t>11/11/18</a:t>
             </a:fld>
             <a:endParaRPr lang="en-US"/>
           </a:p>
@@ -1606,7 +1606,7 @@
           <a:p>
             <a:fld id="{25EC0CD3-564D-9742-98B5-86271438CCE6}" type="datetimeFigureOut">
               <a:rPr lang="en-US" smtClean="0"/>
-              <a:t>10/30/18</a:t>
+              <a:t>11/11/18</a:t>
             </a:fld>
             <a:endParaRPr lang="en-US"/>
           </a:p>
@@ -1724,7 +1724,7 @@
           <a:p>
             <a:fld id="{25EC0CD3-564D-9742-98B5-86271438CCE6}" type="datetimeFigureOut">
               <a:rPr lang="en-US" smtClean="0"/>
-              <a:t>10/30/18</a:t>
+              <a:t>11/11/18</a:t>
             </a:fld>
             <a:endParaRPr lang="en-US"/>
           </a:p>
@@ -1819,7 +1819,7 @@
           <a:p>
             <a:fld id="{25EC0CD3-564D-9742-98B5-86271438CCE6}" type="datetimeFigureOut">
               <a:rPr lang="en-US" smtClean="0"/>
-              <a:t>10/30/18</a:t>
+              <a:t>11/11/18</a:t>
             </a:fld>
             <a:endParaRPr lang="en-US"/>
           </a:p>
@@ -2096,7 +2096,7 @@
           <a:p>
             <a:fld id="{25EC0CD3-564D-9742-98B5-86271438CCE6}" type="datetimeFigureOut">
               <a:rPr lang="en-US" smtClean="0"/>
-              <a:t>10/30/18</a:t>
+              <a:t>11/11/18</a:t>
             </a:fld>
             <a:endParaRPr lang="en-US"/>
           </a:p>
@@ -2353,7 +2353,7 @@
           <a:p>
             <a:fld id="{25EC0CD3-564D-9742-98B5-86271438CCE6}" type="datetimeFigureOut">
               <a:rPr lang="en-US" smtClean="0"/>
-              <a:t>10/30/18</a:t>
+              <a:t>11/11/18</a:t>
             </a:fld>
             <a:endParaRPr lang="en-US"/>
           </a:p>
@@ -2566,7 +2566,7 @@
           <a:p>
             <a:fld id="{25EC0CD3-564D-9742-98B5-86271438CCE6}" type="datetimeFigureOut">
               <a:rPr lang="en-US" smtClean="0"/>
-              <a:t>10/30/18</a:t>
+              <a:t>11/11/18</a:t>
             </a:fld>
             <a:endParaRPr lang="en-US"/>
           </a:p>
@@ -2973,6 +2973,66 @@
       </p:grpSpPr>
       <p:pic>
         <p:nvPicPr>
+          <p:cNvPr id="18" name="Picture 17">
+            <a:extLst>
+              <a:ext uri="{FF2B5EF4-FFF2-40B4-BE49-F238E27FC236}">
+                <a16:creationId xmlns:a16="http://schemas.microsoft.com/office/drawing/2014/main" id="{050D7499-21DE-764E-8D88-D7A51A879F8A}"/>
+              </a:ext>
+            </a:extLst>
+          </p:cNvPr>
+          <p:cNvPicPr>
+            <a:picLocks noChangeAspect="1"/>
+          </p:cNvPicPr>
+          <p:nvPr/>
+        </p:nvPicPr>
+        <p:blipFill>
+          <a:blip r:embed="rId2"/>
+          <a:stretch>
+            <a:fillRect/>
+          </a:stretch>
+        </p:blipFill>
+        <p:spPr>
+          <a:xfrm>
+            <a:off x="2009070" y="4158000"/>
+            <a:ext cx="2596565" cy="2700000"/>
+          </a:xfrm>
+          <a:prstGeom prst="rect">
+            <a:avLst/>
+          </a:prstGeom>
+        </p:spPr>
+      </p:pic>
+      <p:pic>
+        <p:nvPicPr>
+          <p:cNvPr id="12" name="Picture 11">
+            <a:extLst>
+              <a:ext uri="{FF2B5EF4-FFF2-40B4-BE49-F238E27FC236}">
+                <a16:creationId xmlns:a16="http://schemas.microsoft.com/office/drawing/2014/main" id="{94415523-8524-0649-A20E-077504EEDF5A}"/>
+              </a:ext>
+            </a:extLst>
+          </p:cNvPr>
+          <p:cNvPicPr>
+            <a:picLocks noChangeAspect="1"/>
+          </p:cNvPicPr>
+          <p:nvPr/>
+        </p:nvPicPr>
+        <p:blipFill>
+          <a:blip r:embed="rId3"/>
+          <a:stretch>
+            <a:fillRect/>
+          </a:stretch>
+        </p:blipFill>
+        <p:spPr>
+          <a:xfrm>
+            <a:off x="5848470" y="4127229"/>
+            <a:ext cx="2596565" cy="2700000"/>
+          </a:xfrm>
+          <a:prstGeom prst="rect">
+            <a:avLst/>
+          </a:prstGeom>
+        </p:spPr>
+      </p:pic>
+      <p:pic>
+        <p:nvPicPr>
           <p:cNvPr id="5" name="Picture 4">
             <a:extLst>
               <a:ext uri="{FF2B5EF4-FFF2-40B4-BE49-F238E27FC236}">
@@ -2986,7 +3046,7 @@
           <p:nvPr/>
         </p:nvPicPr>
         <p:blipFill>
-          <a:blip r:embed="rId2"/>
+          <a:blip r:embed="rId4"/>
           <a:stretch>
             <a:fillRect/>
           </a:stretch>
@@ -3016,7 +3076,7 @@
           <p:nvPr/>
         </p:nvPicPr>
         <p:blipFill>
-          <a:blip r:embed="rId3"/>
+          <a:blip r:embed="rId5"/>
           <a:stretch>
             <a:fillRect/>
           </a:stretch>
@@ -3067,66 +3127,6 @@
           </a:p>
         </p:txBody>
       </p:sp>
-      <p:pic>
-        <p:nvPicPr>
-          <p:cNvPr id="17" name="Picture 16">
-            <a:extLst>
-              <a:ext uri="{FF2B5EF4-FFF2-40B4-BE49-F238E27FC236}">
-                <a16:creationId xmlns:a16="http://schemas.microsoft.com/office/drawing/2014/main" id="{91DB6844-0A14-6146-AA10-C7BA5994F44A}"/>
-              </a:ext>
-            </a:extLst>
-          </p:cNvPr>
-          <p:cNvPicPr>
-            <a:picLocks noChangeAspect="1"/>
-          </p:cNvPicPr>
-          <p:nvPr/>
-        </p:nvPicPr>
-        <p:blipFill>
-          <a:blip r:embed="rId4"/>
-          <a:stretch>
-            <a:fillRect/>
-          </a:stretch>
-        </p:blipFill>
-        <p:spPr>
-          <a:xfrm>
-            <a:off x="2060408" y="4132255"/>
-            <a:ext cx="2596566" cy="2700000"/>
-          </a:xfrm>
-          <a:prstGeom prst="rect">
-            <a:avLst/>
-          </a:prstGeom>
-        </p:spPr>
-      </p:pic>
-      <p:pic>
-        <p:nvPicPr>
-          <p:cNvPr id="15" name="Picture 14">
-            <a:extLst>
-              <a:ext uri="{FF2B5EF4-FFF2-40B4-BE49-F238E27FC236}">
-                <a16:creationId xmlns:a16="http://schemas.microsoft.com/office/drawing/2014/main" id="{EBCC678C-73F9-3840-A7E3-D6C977E999D7}"/>
-              </a:ext>
-            </a:extLst>
-          </p:cNvPr>
-          <p:cNvPicPr>
-            <a:picLocks noChangeAspect="1"/>
-          </p:cNvPicPr>
-          <p:nvPr/>
-        </p:nvPicPr>
-        <p:blipFill>
-          <a:blip r:embed="rId5"/>
-          <a:stretch>
-            <a:fillRect/>
-          </a:stretch>
-        </p:blipFill>
-        <p:spPr>
-          <a:xfrm>
-            <a:off x="5866514" y="4132255"/>
-            <a:ext cx="2596566" cy="2700000"/>
-          </a:xfrm>
-          <a:prstGeom prst="rect">
-            <a:avLst/>
-          </a:prstGeom>
-        </p:spPr>
-      </p:pic>
       <p:sp>
         <p:nvSpPr>
           <p:cNvPr id="19" name="TextBox 18">

--- a/figure-assembly/figure-1.pptx
+++ b/figure-assembly/figure-1.pptx
@@ -6,6 +6,7 @@
   </p:sldMasterIdLst>
   <p:sldIdLst>
     <p:sldId id="256" r:id="rId2"/>
+    <p:sldId id="257" r:id="rId3"/>
   </p:sldIdLst>
   <p:sldSz cx="9906000" cy="6858000" type="A4"/>
   <p:notesSz cx="6858000" cy="9144000"/>
@@ -243,7 +244,7 @@
           <a:p>
             <a:fld id="{25EC0CD3-564D-9742-98B5-86271438CCE6}" type="datetimeFigureOut">
               <a:rPr lang="en-US" smtClean="0"/>
-              <a:t>11/11/18</a:t>
+              <a:t>3/1/19</a:t>
             </a:fld>
             <a:endParaRPr lang="en-US"/>
           </a:p>
@@ -413,7 +414,7 @@
           <a:p>
             <a:fld id="{25EC0CD3-564D-9742-98B5-86271438CCE6}" type="datetimeFigureOut">
               <a:rPr lang="en-US" smtClean="0"/>
-              <a:t>11/11/18</a:t>
+              <a:t>3/1/19</a:t>
             </a:fld>
             <a:endParaRPr lang="en-US"/>
           </a:p>
@@ -593,7 +594,7 @@
           <a:p>
             <a:fld id="{25EC0CD3-564D-9742-98B5-86271438CCE6}" type="datetimeFigureOut">
               <a:rPr lang="en-US" smtClean="0"/>
-              <a:t>11/11/18</a:t>
+              <a:t>3/1/19</a:t>
             </a:fld>
             <a:endParaRPr lang="en-US"/>
           </a:p>
@@ -763,7 +764,7 @@
           <a:p>
             <a:fld id="{25EC0CD3-564D-9742-98B5-86271438CCE6}" type="datetimeFigureOut">
               <a:rPr lang="en-US" smtClean="0"/>
-              <a:t>11/11/18</a:t>
+              <a:t>3/1/19</a:t>
             </a:fld>
             <a:endParaRPr lang="en-US"/>
           </a:p>
@@ -1007,7 +1008,7 @@
           <a:p>
             <a:fld id="{25EC0CD3-564D-9742-98B5-86271438CCE6}" type="datetimeFigureOut">
               <a:rPr lang="en-US" smtClean="0"/>
-              <a:t>11/11/18</a:t>
+              <a:t>3/1/19</a:t>
             </a:fld>
             <a:endParaRPr lang="en-US"/>
           </a:p>
@@ -1239,7 +1240,7 @@
           <a:p>
             <a:fld id="{25EC0CD3-564D-9742-98B5-86271438CCE6}" type="datetimeFigureOut">
               <a:rPr lang="en-US" smtClean="0"/>
-              <a:t>11/11/18</a:t>
+              <a:t>3/1/19</a:t>
             </a:fld>
             <a:endParaRPr lang="en-US"/>
           </a:p>
@@ -1606,7 +1607,7 @@
           <a:p>
             <a:fld id="{25EC0CD3-564D-9742-98B5-86271438CCE6}" type="datetimeFigureOut">
               <a:rPr lang="en-US" smtClean="0"/>
-              <a:t>11/11/18</a:t>
+              <a:t>3/1/19</a:t>
             </a:fld>
             <a:endParaRPr lang="en-US"/>
           </a:p>
@@ -1724,7 +1725,7 @@
           <a:p>
             <a:fld id="{25EC0CD3-564D-9742-98B5-86271438CCE6}" type="datetimeFigureOut">
               <a:rPr lang="en-US" smtClean="0"/>
-              <a:t>11/11/18</a:t>
+              <a:t>3/1/19</a:t>
             </a:fld>
             <a:endParaRPr lang="en-US"/>
           </a:p>
@@ -1819,7 +1820,7 @@
           <a:p>
             <a:fld id="{25EC0CD3-564D-9742-98B5-86271438CCE6}" type="datetimeFigureOut">
               <a:rPr lang="en-US" smtClean="0"/>
-              <a:t>11/11/18</a:t>
+              <a:t>3/1/19</a:t>
             </a:fld>
             <a:endParaRPr lang="en-US"/>
           </a:p>
@@ -2096,7 +2097,7 @@
           <a:p>
             <a:fld id="{25EC0CD3-564D-9742-98B5-86271438CCE6}" type="datetimeFigureOut">
               <a:rPr lang="en-US" smtClean="0"/>
-              <a:t>11/11/18</a:t>
+              <a:t>3/1/19</a:t>
             </a:fld>
             <a:endParaRPr lang="en-US"/>
           </a:p>
@@ -2353,7 +2354,7 @@
           <a:p>
             <a:fld id="{25EC0CD3-564D-9742-98B5-86271438CCE6}" type="datetimeFigureOut">
               <a:rPr lang="en-US" smtClean="0"/>
-              <a:t>11/11/18</a:t>
+              <a:t>3/1/19</a:t>
             </a:fld>
             <a:endParaRPr lang="en-US"/>
           </a:p>
@@ -2566,7 +2567,7 @@
           <a:p>
             <a:fld id="{25EC0CD3-564D-9742-98B5-86271438CCE6}" type="datetimeFigureOut">
               <a:rPr lang="en-US" smtClean="0"/>
-              <a:t>11/11/18</a:t>
+              <a:t>3/1/19</a:t>
             </a:fld>
             <a:endParaRPr lang="en-US"/>
           </a:p>
@@ -2973,10 +2974,10 @@
       </p:grpSpPr>
       <p:pic>
         <p:nvPicPr>
-          <p:cNvPr id="18" name="Picture 17">
+          <p:cNvPr id="7" name="Picture 6">
             <a:extLst>
               <a:ext uri="{FF2B5EF4-FFF2-40B4-BE49-F238E27FC236}">
-                <a16:creationId xmlns:a16="http://schemas.microsoft.com/office/drawing/2014/main" id="{050D7499-21DE-764E-8D88-D7A51A879F8A}"/>
+                <a16:creationId xmlns:a16="http://schemas.microsoft.com/office/drawing/2014/main" id="{E17FDF5D-5577-FB47-9112-5097485AEE20}"/>
               </a:ext>
             </a:extLst>
           </p:cNvPr>
@@ -2993,7 +2994,37 @@
         </p:blipFill>
         <p:spPr>
           <a:xfrm>
-            <a:off x="2009070" y="4158000"/>
+            <a:off x="6250637" y="844143"/>
+            <a:ext cx="3740707" cy="1770156"/>
+          </a:xfrm>
+          <a:prstGeom prst="rect">
+            <a:avLst/>
+          </a:prstGeom>
+        </p:spPr>
+      </p:pic>
+      <p:pic>
+        <p:nvPicPr>
+          <p:cNvPr id="18" name="Picture 17">
+            <a:extLst>
+              <a:ext uri="{FF2B5EF4-FFF2-40B4-BE49-F238E27FC236}">
+                <a16:creationId xmlns:a16="http://schemas.microsoft.com/office/drawing/2014/main" id="{050D7499-21DE-764E-8D88-D7A51A879F8A}"/>
+              </a:ext>
+            </a:extLst>
+          </p:cNvPr>
+          <p:cNvPicPr>
+            <a:picLocks noChangeAspect="1"/>
+          </p:cNvPicPr>
+          <p:nvPr/>
+        </p:nvPicPr>
+        <p:blipFill>
+          <a:blip r:embed="rId3"/>
+          <a:stretch>
+            <a:fillRect/>
+          </a:stretch>
+        </p:blipFill>
+        <p:spPr>
+          <a:xfrm>
+            <a:off x="2179758" y="4292581"/>
             <a:ext cx="2596565" cy="2700000"/>
           </a:xfrm>
           <a:prstGeom prst="rect">
@@ -3016,36 +3047,6 @@
           <p:nvPr/>
         </p:nvPicPr>
         <p:blipFill>
-          <a:blip r:embed="rId3"/>
-          <a:stretch>
-            <a:fillRect/>
-          </a:stretch>
-        </p:blipFill>
-        <p:spPr>
-          <a:xfrm>
-            <a:off x="5848470" y="4127229"/>
-            <a:ext cx="2596565" cy="2700000"/>
-          </a:xfrm>
-          <a:prstGeom prst="rect">
-            <a:avLst/>
-          </a:prstGeom>
-        </p:spPr>
-      </p:pic>
-      <p:pic>
-        <p:nvPicPr>
-          <p:cNvPr id="5" name="Picture 4">
-            <a:extLst>
-              <a:ext uri="{FF2B5EF4-FFF2-40B4-BE49-F238E27FC236}">
-                <a16:creationId xmlns:a16="http://schemas.microsoft.com/office/drawing/2014/main" id="{1D4AA84E-614B-0F42-8352-7C8EE14689E4}"/>
-              </a:ext>
-            </a:extLst>
-          </p:cNvPr>
-          <p:cNvPicPr>
-            <a:picLocks noChangeAspect="1"/>
-          </p:cNvPicPr>
-          <p:nvPr/>
-        </p:nvPicPr>
-        <p:blipFill>
           <a:blip r:embed="rId4"/>
           <a:stretch>
             <a:fillRect/>
@@ -3053,38 +3054,8 @@
         </p:blipFill>
         <p:spPr>
           <a:xfrm>
-            <a:off x="302885" y="498958"/>
-            <a:ext cx="5402348" cy="3240000"/>
-          </a:xfrm>
-          <a:prstGeom prst="rect">
-            <a:avLst/>
-          </a:prstGeom>
-        </p:spPr>
-      </p:pic>
-      <p:pic>
-        <p:nvPicPr>
-          <p:cNvPr id="8" name="Picture 7">
-            <a:extLst>
-              <a:ext uri="{FF2B5EF4-FFF2-40B4-BE49-F238E27FC236}">
-                <a16:creationId xmlns:a16="http://schemas.microsoft.com/office/drawing/2014/main" id="{DC85F987-E983-BB47-9611-A5328A004DB4}"/>
-              </a:ext>
-            </a:extLst>
-          </p:cNvPr>
-          <p:cNvPicPr>
-            <a:picLocks noChangeAspect="1"/>
-          </p:cNvPicPr>
-          <p:nvPr/>
-        </p:nvPicPr>
-        <p:blipFill>
-          <a:blip r:embed="rId5"/>
-          <a:stretch>
-            <a:fillRect/>
-          </a:stretch>
-        </p:blipFill>
-        <p:spPr>
-          <a:xfrm>
-            <a:off x="6056961" y="694508"/>
-            <a:ext cx="3780000" cy="1788750"/>
+            <a:off x="6019158" y="4261810"/>
+            <a:ext cx="2596565" cy="2700000"/>
           </a:xfrm>
           <a:prstGeom prst="rect">
             <a:avLst/>
@@ -3105,7 +3076,7 @@
         </p:nvSpPr>
         <p:spPr>
           <a:xfrm>
-            <a:off x="271628" y="279709"/>
+            <a:off x="106254" y="173491"/>
             <a:ext cx="653849" cy="447943"/>
           </a:xfrm>
           <a:prstGeom prst="rect">
@@ -3141,7 +3112,7 @@
         </p:nvSpPr>
         <p:spPr>
           <a:xfrm>
-            <a:off x="5359043" y="3684312"/>
+            <a:off x="5529731" y="3818893"/>
             <a:ext cx="653849" cy="447943"/>
           </a:xfrm>
           <a:prstGeom prst="rect">
@@ -3177,7 +3148,7 @@
         </p:nvSpPr>
         <p:spPr>
           <a:xfrm>
-            <a:off x="1507808" y="3684312"/>
+            <a:off x="1678496" y="3818893"/>
             <a:ext cx="653849" cy="447943"/>
           </a:xfrm>
           <a:prstGeom prst="rect">
@@ -3213,8 +3184,8 @@
         </p:nvSpPr>
         <p:spPr>
           <a:xfrm>
-            <a:off x="2898218" y="3847238"/>
-            <a:ext cx="1197864" cy="338554"/>
+            <a:off x="3068906" y="3981819"/>
+            <a:ext cx="1197864" cy="307777"/>
           </a:xfrm>
           <a:prstGeom prst="rect">
             <a:avLst/>
@@ -3229,7 +3200,10 @@
           <a:p>
             <a:pPr algn="ctr"/>
             <a:r>
-              <a:rPr lang="en-US" sz="1600" dirty="0"/>
+              <a:rPr lang="en-US" sz="1400" dirty="0">
+                <a:latin typeface="Arial" panose="020B0604020202020204" pitchFamily="34" charset="0"/>
+                <a:cs typeface="Arial" panose="020B0604020202020204" pitchFamily="34" charset="0"/>
+              </a:rPr>
               <a:t>Fitted</a:t>
             </a:r>
           </a:p>
@@ -3249,8 +3223,8 @@
         </p:nvSpPr>
         <p:spPr>
           <a:xfrm>
-            <a:off x="6692598" y="3828232"/>
-            <a:ext cx="1197864" cy="338554"/>
+            <a:off x="6863286" y="3962813"/>
+            <a:ext cx="1197864" cy="307777"/>
           </a:xfrm>
           <a:prstGeom prst="rect">
             <a:avLst/>
@@ -3265,7 +3239,10 @@
           <a:p>
             <a:pPr algn="ctr"/>
             <a:r>
-              <a:rPr lang="en-US" sz="1600" dirty="0"/>
+              <a:rPr lang="en-US" sz="1400" dirty="0">
+                <a:latin typeface="Arial" panose="020B0604020202020204" pitchFamily="34" charset="0"/>
+                <a:cs typeface="Arial" panose="020B0604020202020204" pitchFamily="34" charset="0"/>
+              </a:rPr>
               <a:t>Predicted</a:t>
             </a:r>
           </a:p>
@@ -3285,7 +3262,7 @@
         </p:nvSpPr>
         <p:spPr>
           <a:xfrm rot="19703640">
-            <a:off x="2782817" y="5700355"/>
+            <a:off x="2953505" y="5834936"/>
             <a:ext cx="1721922" cy="246221"/>
           </a:xfrm>
           <a:prstGeom prst="rect">
@@ -3301,7 +3278,10 @@
           <a:p>
             <a:pPr algn="ctr"/>
             <a:r>
-              <a:rPr lang="en-US" sz="1000" dirty="0"/>
+              <a:rPr lang="en-US" sz="1000" dirty="0">
+                <a:latin typeface="Arial" panose="020B0604020202020204" pitchFamily="34" charset="0"/>
+                <a:cs typeface="Arial" panose="020B0604020202020204" pitchFamily="34" charset="0"/>
+              </a:rPr>
               <a:t>nutrient quality</a:t>
             </a:r>
           </a:p>
@@ -3321,7 +3301,7 @@
         </p:nvSpPr>
         <p:spPr>
           <a:xfrm rot="1438059">
-            <a:off x="2554547" y="4444833"/>
+            <a:off x="2725235" y="4579414"/>
             <a:ext cx="1925781" cy="246221"/>
           </a:xfrm>
           <a:prstGeom prst="rect">
@@ -3337,7 +3317,10 @@
           <a:p>
             <a:pPr algn="ctr"/>
             <a:r>
-              <a:rPr lang="en-US" sz="1000" dirty="0"/>
+              <a:rPr lang="en-US" sz="1000" dirty="0">
+                <a:latin typeface="Arial" panose="020B0604020202020204" pitchFamily="34" charset="0"/>
+                <a:cs typeface="Arial" panose="020B0604020202020204" pitchFamily="34" charset="0"/>
+              </a:rPr>
               <a:t>chloramphenicol</a:t>
             </a:r>
           </a:p>
@@ -3357,7 +3340,7 @@
         </p:nvSpPr>
         <p:spPr>
           <a:xfrm rot="3055022">
-            <a:off x="6533791" y="4835894"/>
+            <a:off x="6680095" y="5019243"/>
             <a:ext cx="1858123" cy="246221"/>
           </a:xfrm>
           <a:prstGeom prst="rect">
@@ -3373,7 +3356,10 @@
           <a:p>
             <a:pPr algn="ctr"/>
             <a:r>
-              <a:rPr lang="en-US" sz="1000" dirty="0"/>
+              <a:rPr lang="en-US" sz="1000" dirty="0">
+                <a:latin typeface="Arial" panose="020B0604020202020204" pitchFamily="34" charset="0"/>
+                <a:cs typeface="Arial" panose="020B0604020202020204" pitchFamily="34" charset="0"/>
+              </a:rPr>
               <a:t>useless expression strength</a:t>
             </a:r>
           </a:p>
@@ -3395,7 +3381,7 @@
         </p:nvCxnSpPr>
         <p:spPr>
           <a:xfrm flipV="1">
-            <a:off x="2919719" y="5293957"/>
+            <a:off x="3090407" y="5428538"/>
             <a:ext cx="1320353" cy="785185"/>
           </a:xfrm>
           <a:prstGeom prst="straightConnector1">
@@ -3439,7 +3425,7 @@
         </p:nvCxnSpPr>
         <p:spPr>
           <a:xfrm rot="21391427" flipH="1" flipV="1">
-            <a:off x="2646964" y="4251021"/>
+            <a:off x="2817652" y="4385602"/>
             <a:ext cx="1581397" cy="852073"/>
           </a:xfrm>
           <a:prstGeom prst="straightConnector1">
@@ -3483,7 +3469,7 @@
         </p:nvCxnSpPr>
         <p:spPr>
           <a:xfrm flipH="1" flipV="1">
-            <a:off x="6781568" y="4619715"/>
+            <a:off x="6952256" y="4754296"/>
             <a:ext cx="938383" cy="1149864"/>
           </a:xfrm>
           <a:prstGeom prst="straightConnector1">
@@ -3525,7 +3511,7 @@
         </p:nvSpPr>
         <p:spPr>
           <a:xfrm>
-            <a:off x="7647377" y="5805297"/>
+            <a:off x="7818065" y="5939878"/>
             <a:ext cx="931826" cy="400110"/>
           </a:xfrm>
           <a:prstGeom prst="rect">
@@ -3541,7 +3527,10 @@
           <a:p>
             <a:pPr algn="ctr"/>
             <a:r>
-              <a:rPr lang="en-US" sz="1000" dirty="0"/>
+              <a:rPr lang="en-US" sz="1000" dirty="0">
+                <a:latin typeface="Arial" panose="020B0604020202020204" pitchFamily="34" charset="0"/>
+                <a:cs typeface="Arial" panose="020B0604020202020204" pitchFamily="34" charset="0"/>
+              </a:rPr>
               <a:t>nutrient quality</a:t>
             </a:r>
           </a:p>
@@ -3563,7 +3552,7 @@
         </p:nvCxnSpPr>
         <p:spPr>
           <a:xfrm>
-            <a:off x="6646128" y="6038260"/>
+            <a:off x="6816816" y="6172841"/>
             <a:ext cx="1209262" cy="0"/>
           </a:xfrm>
           <a:prstGeom prst="straightConnector1">
@@ -3605,7 +3594,7 @@
         </p:nvSpPr>
         <p:spPr>
           <a:xfrm>
-            <a:off x="5907296" y="279709"/>
+            <a:off x="6106679" y="173491"/>
             <a:ext cx="653849" cy="447943"/>
           </a:xfrm>
           <a:prstGeom prst="rect">
@@ -3627,10 +3616,726 @@
           </a:p>
         </p:txBody>
       </p:sp>
+      <p:pic>
+        <p:nvPicPr>
+          <p:cNvPr id="4" name="Picture 3">
+            <a:extLst>
+              <a:ext uri="{FF2B5EF4-FFF2-40B4-BE49-F238E27FC236}">
+                <a16:creationId xmlns:a16="http://schemas.microsoft.com/office/drawing/2014/main" id="{C76894B8-4BBD-9D43-8508-9FEB849F4B3D}"/>
+              </a:ext>
+            </a:extLst>
+          </p:cNvPr>
+          <p:cNvPicPr>
+            <a:picLocks noChangeAspect="1"/>
+          </p:cNvPicPr>
+          <p:nvPr/>
+        </p:nvPicPr>
+        <p:blipFill>
+          <a:blip r:embed="rId5"/>
+          <a:stretch>
+            <a:fillRect/>
+          </a:stretch>
+        </p:blipFill>
+        <p:spPr>
+          <a:xfrm>
+            <a:off x="29885" y="621434"/>
+            <a:ext cx="5968580" cy="3032294"/>
+          </a:xfrm>
+          <a:prstGeom prst="rect">
+            <a:avLst/>
+          </a:prstGeom>
+        </p:spPr>
+      </p:pic>
     </p:spTree>
     <p:extLst>
       <p:ext uri="{BB962C8B-B14F-4D97-AF65-F5344CB8AC3E}">
         <p14:creationId xmlns:p14="http://schemas.microsoft.com/office/powerpoint/2010/main" val="1853821913"/>
+      </p:ext>
+    </p:extLst>
+  </p:cSld>
+  <p:clrMapOvr>
+    <a:masterClrMapping/>
+  </p:clrMapOvr>
+</p:sld>
+</file>
+
+<file path=ppt/slides/slide2.xml><?xml version="1.0" encoding="utf-8"?>
+<p:sld xmlns:a="http://schemas.openxmlformats.org/drawingml/2006/main" xmlns:r="http://schemas.openxmlformats.org/officeDocument/2006/relationships" xmlns:p="http://schemas.openxmlformats.org/presentationml/2006/main">
+  <p:cSld>
+    <p:spTree>
+      <p:nvGrpSpPr>
+        <p:cNvPr id="1" name=""/>
+        <p:cNvGrpSpPr/>
+        <p:nvPr/>
+      </p:nvGrpSpPr>
+      <p:grpSpPr>
+        <a:xfrm>
+          <a:off x="0" y="0"/>
+          <a:ext cx="0" cy="0"/>
+          <a:chOff x="0" y="0"/>
+          <a:chExt cx="0" cy="0"/>
+        </a:xfrm>
+      </p:grpSpPr>
+      <p:pic>
+        <p:nvPicPr>
+          <p:cNvPr id="18" name="Picture 17">
+            <a:extLst>
+              <a:ext uri="{FF2B5EF4-FFF2-40B4-BE49-F238E27FC236}">
+                <a16:creationId xmlns:a16="http://schemas.microsoft.com/office/drawing/2014/main" id="{050D7499-21DE-764E-8D88-D7A51A879F8A}"/>
+              </a:ext>
+            </a:extLst>
+          </p:cNvPr>
+          <p:cNvPicPr>
+            <a:picLocks noChangeAspect="1"/>
+          </p:cNvPicPr>
+          <p:nvPr/>
+        </p:nvPicPr>
+        <p:blipFill>
+          <a:blip r:embed="rId2"/>
+          <a:stretch>
+            <a:fillRect/>
+          </a:stretch>
+        </p:blipFill>
+        <p:spPr>
+          <a:xfrm>
+            <a:off x="2009070" y="4158000"/>
+            <a:ext cx="2596565" cy="2700000"/>
+          </a:xfrm>
+          <a:prstGeom prst="rect">
+            <a:avLst/>
+          </a:prstGeom>
+        </p:spPr>
+      </p:pic>
+      <p:pic>
+        <p:nvPicPr>
+          <p:cNvPr id="12" name="Picture 11">
+            <a:extLst>
+              <a:ext uri="{FF2B5EF4-FFF2-40B4-BE49-F238E27FC236}">
+                <a16:creationId xmlns:a16="http://schemas.microsoft.com/office/drawing/2014/main" id="{94415523-8524-0649-A20E-077504EEDF5A}"/>
+              </a:ext>
+            </a:extLst>
+          </p:cNvPr>
+          <p:cNvPicPr>
+            <a:picLocks noChangeAspect="1"/>
+          </p:cNvPicPr>
+          <p:nvPr/>
+        </p:nvPicPr>
+        <p:blipFill>
+          <a:blip r:embed="rId3"/>
+          <a:stretch>
+            <a:fillRect/>
+          </a:stretch>
+        </p:blipFill>
+        <p:spPr>
+          <a:xfrm>
+            <a:off x="5848470" y="4127229"/>
+            <a:ext cx="2596565" cy="2700000"/>
+          </a:xfrm>
+          <a:prstGeom prst="rect">
+            <a:avLst/>
+          </a:prstGeom>
+        </p:spPr>
+      </p:pic>
+      <p:pic>
+        <p:nvPicPr>
+          <p:cNvPr id="5" name="Picture 4">
+            <a:extLst>
+              <a:ext uri="{FF2B5EF4-FFF2-40B4-BE49-F238E27FC236}">
+                <a16:creationId xmlns:a16="http://schemas.microsoft.com/office/drawing/2014/main" id="{1D4AA84E-614B-0F42-8352-7C8EE14689E4}"/>
+              </a:ext>
+            </a:extLst>
+          </p:cNvPr>
+          <p:cNvPicPr>
+            <a:picLocks noChangeAspect="1"/>
+          </p:cNvPicPr>
+          <p:nvPr/>
+        </p:nvPicPr>
+        <p:blipFill>
+          <a:blip r:embed="rId4"/>
+          <a:stretch>
+            <a:fillRect/>
+          </a:stretch>
+        </p:blipFill>
+        <p:spPr>
+          <a:xfrm>
+            <a:off x="302885" y="498958"/>
+            <a:ext cx="5402348" cy="3240000"/>
+          </a:xfrm>
+          <a:prstGeom prst="rect">
+            <a:avLst/>
+          </a:prstGeom>
+        </p:spPr>
+      </p:pic>
+      <p:pic>
+        <p:nvPicPr>
+          <p:cNvPr id="8" name="Picture 7">
+            <a:extLst>
+              <a:ext uri="{FF2B5EF4-FFF2-40B4-BE49-F238E27FC236}">
+                <a16:creationId xmlns:a16="http://schemas.microsoft.com/office/drawing/2014/main" id="{DC85F987-E983-BB47-9611-A5328A004DB4}"/>
+              </a:ext>
+            </a:extLst>
+          </p:cNvPr>
+          <p:cNvPicPr>
+            <a:picLocks noChangeAspect="1"/>
+          </p:cNvPicPr>
+          <p:nvPr/>
+        </p:nvPicPr>
+        <p:blipFill>
+          <a:blip r:embed="rId5"/>
+          <a:stretch>
+            <a:fillRect/>
+          </a:stretch>
+        </p:blipFill>
+        <p:spPr>
+          <a:xfrm>
+            <a:off x="6056961" y="694508"/>
+            <a:ext cx="3780000" cy="1788750"/>
+          </a:xfrm>
+          <a:prstGeom prst="rect">
+            <a:avLst/>
+          </a:prstGeom>
+        </p:spPr>
+      </p:pic>
+      <p:sp>
+        <p:nvSpPr>
+          <p:cNvPr id="13" name="TextBox 12">
+            <a:extLst>
+              <a:ext uri="{FF2B5EF4-FFF2-40B4-BE49-F238E27FC236}">
+                <a16:creationId xmlns:a16="http://schemas.microsoft.com/office/drawing/2014/main" id="{9308840A-C341-704D-BBB1-8770F1D934A5}"/>
+              </a:ext>
+            </a:extLst>
+          </p:cNvPr>
+          <p:cNvSpPr txBox="1"/>
+          <p:nvPr/>
+        </p:nvSpPr>
+        <p:spPr>
+          <a:xfrm>
+            <a:off x="271628" y="279709"/>
+            <a:ext cx="653849" cy="447943"/>
+          </a:xfrm>
+          <a:prstGeom prst="rect">
+            <a:avLst/>
+          </a:prstGeom>
+          <a:noFill/>
+        </p:spPr>
+        <p:txBody>
+          <a:bodyPr wrap="square" rtlCol="0">
+            <a:spAutoFit/>
+          </a:bodyPr>
+          <a:lstStyle/>
+          <a:p>
+            <a:pPr algn="ctr"/>
+            <a:r>
+              <a:rPr lang="en-US" sz="2311" dirty="0"/>
+              <a:t>A</a:t>
+            </a:r>
+          </a:p>
+        </p:txBody>
+      </p:sp>
+      <p:sp>
+        <p:nvSpPr>
+          <p:cNvPr id="19" name="TextBox 18">
+            <a:extLst>
+              <a:ext uri="{FF2B5EF4-FFF2-40B4-BE49-F238E27FC236}">
+                <a16:creationId xmlns:a16="http://schemas.microsoft.com/office/drawing/2014/main" id="{911ECD02-6A9D-A34F-AB9A-0AEE7695EF60}"/>
+              </a:ext>
+            </a:extLst>
+          </p:cNvPr>
+          <p:cNvSpPr txBox="1"/>
+          <p:nvPr/>
+        </p:nvSpPr>
+        <p:spPr>
+          <a:xfrm>
+            <a:off x="5359043" y="3684312"/>
+            <a:ext cx="653849" cy="447943"/>
+          </a:xfrm>
+          <a:prstGeom prst="rect">
+            <a:avLst/>
+          </a:prstGeom>
+          <a:noFill/>
+        </p:spPr>
+        <p:txBody>
+          <a:bodyPr wrap="square" rtlCol="0">
+            <a:spAutoFit/>
+          </a:bodyPr>
+          <a:lstStyle/>
+          <a:p>
+            <a:pPr algn="ctr"/>
+            <a:r>
+              <a:rPr lang="en-US" sz="2311" dirty="0"/>
+              <a:t>D</a:t>
+            </a:r>
+          </a:p>
+        </p:txBody>
+      </p:sp>
+      <p:sp>
+        <p:nvSpPr>
+          <p:cNvPr id="6" name="TextBox 5">
+            <a:extLst>
+              <a:ext uri="{FF2B5EF4-FFF2-40B4-BE49-F238E27FC236}">
+                <a16:creationId xmlns:a16="http://schemas.microsoft.com/office/drawing/2014/main" id="{BCC2B194-BC2D-3245-9250-59A2BA620129}"/>
+              </a:ext>
+            </a:extLst>
+          </p:cNvPr>
+          <p:cNvSpPr txBox="1"/>
+          <p:nvPr/>
+        </p:nvSpPr>
+        <p:spPr>
+          <a:xfrm>
+            <a:off x="1507808" y="3684312"/>
+            <a:ext cx="653849" cy="447943"/>
+          </a:xfrm>
+          <a:prstGeom prst="rect">
+            <a:avLst/>
+          </a:prstGeom>
+          <a:noFill/>
+        </p:spPr>
+        <p:txBody>
+          <a:bodyPr wrap="square" rtlCol="0">
+            <a:spAutoFit/>
+          </a:bodyPr>
+          <a:lstStyle/>
+          <a:p>
+            <a:pPr algn="ctr"/>
+            <a:r>
+              <a:rPr lang="en-US" sz="2311" dirty="0"/>
+              <a:t>C</a:t>
+            </a:r>
+          </a:p>
+        </p:txBody>
+      </p:sp>
+      <p:sp>
+        <p:nvSpPr>
+          <p:cNvPr id="11" name="TextBox 10">
+            <a:extLst>
+              <a:ext uri="{FF2B5EF4-FFF2-40B4-BE49-F238E27FC236}">
+                <a16:creationId xmlns:a16="http://schemas.microsoft.com/office/drawing/2014/main" id="{21C26C2C-A6D4-CC40-9147-2E88070074D5}"/>
+              </a:ext>
+            </a:extLst>
+          </p:cNvPr>
+          <p:cNvSpPr txBox="1"/>
+          <p:nvPr/>
+        </p:nvSpPr>
+        <p:spPr>
+          <a:xfrm>
+            <a:off x="2898218" y="3847238"/>
+            <a:ext cx="1197864" cy="338554"/>
+          </a:xfrm>
+          <a:prstGeom prst="rect">
+            <a:avLst/>
+          </a:prstGeom>
+          <a:noFill/>
+        </p:spPr>
+        <p:txBody>
+          <a:bodyPr wrap="square" rtlCol="0">
+            <a:spAutoFit/>
+          </a:bodyPr>
+          <a:lstStyle/>
+          <a:p>
+            <a:pPr algn="ctr"/>
+            <a:r>
+              <a:rPr lang="en-US" sz="1600" dirty="0"/>
+              <a:t>Fitted</a:t>
+            </a:r>
+          </a:p>
+        </p:txBody>
+      </p:sp>
+      <p:sp>
+        <p:nvSpPr>
+          <p:cNvPr id="14" name="TextBox 13">
+            <a:extLst>
+              <a:ext uri="{FF2B5EF4-FFF2-40B4-BE49-F238E27FC236}">
+                <a16:creationId xmlns:a16="http://schemas.microsoft.com/office/drawing/2014/main" id="{DD45CC1B-B5E0-D947-8CAE-305A0328A523}"/>
+              </a:ext>
+            </a:extLst>
+          </p:cNvPr>
+          <p:cNvSpPr txBox="1"/>
+          <p:nvPr/>
+        </p:nvSpPr>
+        <p:spPr>
+          <a:xfrm>
+            <a:off x="6692598" y="3828232"/>
+            <a:ext cx="1197864" cy="338554"/>
+          </a:xfrm>
+          <a:prstGeom prst="rect">
+            <a:avLst/>
+          </a:prstGeom>
+          <a:noFill/>
+        </p:spPr>
+        <p:txBody>
+          <a:bodyPr wrap="square" rtlCol="0">
+            <a:spAutoFit/>
+          </a:bodyPr>
+          <a:lstStyle/>
+          <a:p>
+            <a:pPr algn="ctr"/>
+            <a:r>
+              <a:rPr lang="en-US" sz="1600" dirty="0"/>
+              <a:t>Predicted</a:t>
+            </a:r>
+          </a:p>
+        </p:txBody>
+      </p:sp>
+      <p:sp>
+        <p:nvSpPr>
+          <p:cNvPr id="28" name="TextBox 27">
+            <a:extLst>
+              <a:ext uri="{FF2B5EF4-FFF2-40B4-BE49-F238E27FC236}">
+                <a16:creationId xmlns:a16="http://schemas.microsoft.com/office/drawing/2014/main" id="{745AA9FF-1B40-2741-A1F1-BD8482039CE5}"/>
+              </a:ext>
+            </a:extLst>
+          </p:cNvPr>
+          <p:cNvSpPr txBox="1"/>
+          <p:nvPr/>
+        </p:nvSpPr>
+        <p:spPr>
+          <a:xfrm rot="19703640">
+            <a:off x="2782817" y="5700355"/>
+            <a:ext cx="1721922" cy="246221"/>
+          </a:xfrm>
+          <a:prstGeom prst="rect">
+            <a:avLst/>
+          </a:prstGeom>
+          <a:noFill/>
+        </p:spPr>
+        <p:txBody>
+          <a:bodyPr wrap="square" rtlCol="0">
+            <a:spAutoFit/>
+          </a:bodyPr>
+          <a:lstStyle/>
+          <a:p>
+            <a:pPr algn="ctr"/>
+            <a:r>
+              <a:rPr lang="en-US" sz="1000" dirty="0"/>
+              <a:t>nutrient quality</a:t>
+            </a:r>
+          </a:p>
+        </p:txBody>
+      </p:sp>
+      <p:sp>
+        <p:nvSpPr>
+          <p:cNvPr id="29" name="TextBox 28">
+            <a:extLst>
+              <a:ext uri="{FF2B5EF4-FFF2-40B4-BE49-F238E27FC236}">
+                <a16:creationId xmlns:a16="http://schemas.microsoft.com/office/drawing/2014/main" id="{1F5B14A8-29C7-E340-ABFA-3954C20A3032}"/>
+              </a:ext>
+            </a:extLst>
+          </p:cNvPr>
+          <p:cNvSpPr txBox="1"/>
+          <p:nvPr/>
+        </p:nvSpPr>
+        <p:spPr>
+          <a:xfrm rot="1438059">
+            <a:off x="2554547" y="4444833"/>
+            <a:ext cx="1925781" cy="246221"/>
+          </a:xfrm>
+          <a:prstGeom prst="rect">
+            <a:avLst/>
+          </a:prstGeom>
+          <a:noFill/>
+        </p:spPr>
+        <p:txBody>
+          <a:bodyPr wrap="square" rtlCol="0">
+            <a:spAutoFit/>
+          </a:bodyPr>
+          <a:lstStyle/>
+          <a:p>
+            <a:pPr algn="ctr"/>
+            <a:r>
+              <a:rPr lang="en-US" sz="1000" dirty="0"/>
+              <a:t>chloramphenicol</a:t>
+            </a:r>
+          </a:p>
+        </p:txBody>
+      </p:sp>
+      <p:sp>
+        <p:nvSpPr>
+          <p:cNvPr id="30" name="TextBox 29">
+            <a:extLst>
+              <a:ext uri="{FF2B5EF4-FFF2-40B4-BE49-F238E27FC236}">
+                <a16:creationId xmlns:a16="http://schemas.microsoft.com/office/drawing/2014/main" id="{5E46790D-7927-9B41-A1E4-9BA98128D04B}"/>
+              </a:ext>
+            </a:extLst>
+          </p:cNvPr>
+          <p:cNvSpPr txBox="1"/>
+          <p:nvPr/>
+        </p:nvSpPr>
+        <p:spPr>
+          <a:xfrm rot="3055022">
+            <a:off x="6533791" y="4835894"/>
+            <a:ext cx="1858123" cy="246221"/>
+          </a:xfrm>
+          <a:prstGeom prst="rect">
+            <a:avLst/>
+          </a:prstGeom>
+          <a:noFill/>
+        </p:spPr>
+        <p:txBody>
+          <a:bodyPr wrap="square" rtlCol="0">
+            <a:spAutoFit/>
+          </a:bodyPr>
+          <a:lstStyle/>
+          <a:p>
+            <a:pPr algn="ctr"/>
+            <a:r>
+              <a:rPr lang="en-US" sz="1000" dirty="0"/>
+              <a:t>useless expression strength</a:t>
+            </a:r>
+          </a:p>
+        </p:txBody>
+      </p:sp>
+      <p:cxnSp>
+        <p:nvCxnSpPr>
+          <p:cNvPr id="31" name="Straight Arrow Connector 30">
+            <a:extLst>
+              <a:ext uri="{FF2B5EF4-FFF2-40B4-BE49-F238E27FC236}">
+                <a16:creationId xmlns:a16="http://schemas.microsoft.com/office/drawing/2014/main" id="{E9A5A0DF-22FB-1A4A-893E-56EF7E129A28}"/>
+              </a:ext>
+            </a:extLst>
+          </p:cNvPr>
+          <p:cNvCxnSpPr>
+            <a:cxnSpLocks/>
+          </p:cNvCxnSpPr>
+          <p:nvPr/>
+        </p:nvCxnSpPr>
+        <p:spPr>
+          <a:xfrm flipV="1">
+            <a:off x="2919719" y="5293957"/>
+            <a:ext cx="1320353" cy="785185"/>
+          </a:xfrm>
+          <a:prstGeom prst="straightConnector1">
+            <a:avLst/>
+          </a:prstGeom>
+          <a:ln>
+            <a:solidFill>
+              <a:schemeClr val="tx1"/>
+            </a:solidFill>
+            <a:tailEnd type="triangle"/>
+          </a:ln>
+        </p:spPr>
+        <p:style>
+          <a:lnRef idx="1">
+            <a:schemeClr val="accent1"/>
+          </a:lnRef>
+          <a:fillRef idx="0">
+            <a:schemeClr val="accent1"/>
+          </a:fillRef>
+          <a:effectRef idx="0">
+            <a:schemeClr val="accent1"/>
+          </a:effectRef>
+          <a:fontRef idx="minor">
+            <a:schemeClr val="tx1"/>
+          </a:fontRef>
+        </p:style>
+      </p:cxnSp>
+      <p:cxnSp>
+        <p:nvCxnSpPr>
+          <p:cNvPr id="32" name="Straight Arrow Connector 31">
+            <a:extLst>
+              <a:ext uri="{FF2B5EF4-FFF2-40B4-BE49-F238E27FC236}">
+                <a16:creationId xmlns:a16="http://schemas.microsoft.com/office/drawing/2014/main" id="{9613CAC1-7195-684D-AF43-CF2F7E1CD73B}"/>
+              </a:ext>
+            </a:extLst>
+          </p:cNvPr>
+          <p:cNvCxnSpPr>
+            <a:cxnSpLocks/>
+          </p:cNvCxnSpPr>
+          <p:nvPr/>
+        </p:nvCxnSpPr>
+        <p:spPr>
+          <a:xfrm rot="21391427" flipH="1" flipV="1">
+            <a:off x="2646964" y="4251021"/>
+            <a:ext cx="1581397" cy="852073"/>
+          </a:xfrm>
+          <a:prstGeom prst="straightConnector1">
+            <a:avLst/>
+          </a:prstGeom>
+          <a:ln>
+            <a:solidFill>
+              <a:schemeClr val="tx1"/>
+            </a:solidFill>
+            <a:tailEnd type="triangle"/>
+          </a:ln>
+        </p:spPr>
+        <p:style>
+          <a:lnRef idx="1">
+            <a:schemeClr val="accent1"/>
+          </a:lnRef>
+          <a:fillRef idx="0">
+            <a:schemeClr val="accent1"/>
+          </a:fillRef>
+          <a:effectRef idx="0">
+            <a:schemeClr val="accent1"/>
+          </a:effectRef>
+          <a:fontRef idx="minor">
+            <a:schemeClr val="tx1"/>
+          </a:fontRef>
+        </p:style>
+      </p:cxnSp>
+      <p:cxnSp>
+        <p:nvCxnSpPr>
+          <p:cNvPr id="33" name="Straight Arrow Connector 32">
+            <a:extLst>
+              <a:ext uri="{FF2B5EF4-FFF2-40B4-BE49-F238E27FC236}">
+                <a16:creationId xmlns:a16="http://schemas.microsoft.com/office/drawing/2014/main" id="{E1796713-4DEE-ED47-B255-75B0DB4201E0}"/>
+              </a:ext>
+            </a:extLst>
+          </p:cNvPr>
+          <p:cNvCxnSpPr>
+            <a:cxnSpLocks/>
+          </p:cNvCxnSpPr>
+          <p:nvPr/>
+        </p:nvCxnSpPr>
+        <p:spPr>
+          <a:xfrm flipH="1" flipV="1">
+            <a:off x="6781568" y="4619715"/>
+            <a:ext cx="938383" cy="1149864"/>
+          </a:xfrm>
+          <a:prstGeom prst="straightConnector1">
+            <a:avLst/>
+          </a:prstGeom>
+          <a:ln>
+            <a:solidFill>
+              <a:schemeClr val="tx1"/>
+            </a:solidFill>
+            <a:tailEnd type="triangle"/>
+          </a:ln>
+        </p:spPr>
+        <p:style>
+          <a:lnRef idx="1">
+            <a:schemeClr val="accent1"/>
+          </a:lnRef>
+          <a:fillRef idx="0">
+            <a:schemeClr val="accent1"/>
+          </a:fillRef>
+          <a:effectRef idx="0">
+            <a:schemeClr val="accent1"/>
+          </a:effectRef>
+          <a:fontRef idx="minor">
+            <a:schemeClr val="tx1"/>
+          </a:fontRef>
+        </p:style>
+      </p:cxnSp>
+      <p:sp>
+        <p:nvSpPr>
+          <p:cNvPr id="34" name="TextBox 33">
+            <a:extLst>
+              <a:ext uri="{FF2B5EF4-FFF2-40B4-BE49-F238E27FC236}">
+                <a16:creationId xmlns:a16="http://schemas.microsoft.com/office/drawing/2014/main" id="{70E62564-86B6-D142-8D3B-EDC18001055B}"/>
+              </a:ext>
+            </a:extLst>
+          </p:cNvPr>
+          <p:cNvSpPr txBox="1"/>
+          <p:nvPr/>
+        </p:nvSpPr>
+        <p:spPr>
+          <a:xfrm>
+            <a:off x="7647377" y="5805297"/>
+            <a:ext cx="931826" cy="400110"/>
+          </a:xfrm>
+          <a:prstGeom prst="rect">
+            <a:avLst/>
+          </a:prstGeom>
+          <a:noFill/>
+        </p:spPr>
+        <p:txBody>
+          <a:bodyPr wrap="square" rtlCol="0">
+            <a:spAutoFit/>
+          </a:bodyPr>
+          <a:lstStyle/>
+          <a:p>
+            <a:pPr algn="ctr"/>
+            <a:r>
+              <a:rPr lang="en-US" sz="1000" dirty="0"/>
+              <a:t>nutrient quality</a:t>
+            </a:r>
+          </a:p>
+        </p:txBody>
+      </p:sp>
+      <p:cxnSp>
+        <p:nvCxnSpPr>
+          <p:cNvPr id="35" name="Straight Arrow Connector 34">
+            <a:extLst>
+              <a:ext uri="{FF2B5EF4-FFF2-40B4-BE49-F238E27FC236}">
+                <a16:creationId xmlns:a16="http://schemas.microsoft.com/office/drawing/2014/main" id="{AD32726E-A487-FC4C-BAD2-C2764855C8A2}"/>
+              </a:ext>
+            </a:extLst>
+          </p:cNvPr>
+          <p:cNvCxnSpPr>
+            <a:cxnSpLocks/>
+          </p:cNvCxnSpPr>
+          <p:nvPr/>
+        </p:nvCxnSpPr>
+        <p:spPr>
+          <a:xfrm>
+            <a:off x="6646128" y="6038260"/>
+            <a:ext cx="1209262" cy="0"/>
+          </a:xfrm>
+          <a:prstGeom prst="straightConnector1">
+            <a:avLst/>
+          </a:prstGeom>
+          <a:ln>
+            <a:solidFill>
+              <a:schemeClr val="tx1"/>
+            </a:solidFill>
+            <a:tailEnd type="triangle"/>
+          </a:ln>
+        </p:spPr>
+        <p:style>
+          <a:lnRef idx="1">
+            <a:schemeClr val="accent1"/>
+          </a:lnRef>
+          <a:fillRef idx="0">
+            <a:schemeClr val="accent1"/>
+          </a:fillRef>
+          <a:effectRef idx="0">
+            <a:schemeClr val="accent1"/>
+          </a:effectRef>
+          <a:fontRef idx="minor">
+            <a:schemeClr val="tx1"/>
+          </a:fontRef>
+        </p:style>
+      </p:cxnSp>
+      <p:sp>
+        <p:nvSpPr>
+          <p:cNvPr id="10" name="TextBox 9">
+            <a:extLst>
+              <a:ext uri="{FF2B5EF4-FFF2-40B4-BE49-F238E27FC236}">
+                <a16:creationId xmlns:a16="http://schemas.microsoft.com/office/drawing/2014/main" id="{324A0948-3C87-984B-92AC-9DF17C12DB5F}"/>
+              </a:ext>
+            </a:extLst>
+          </p:cNvPr>
+          <p:cNvSpPr txBox="1"/>
+          <p:nvPr/>
+        </p:nvSpPr>
+        <p:spPr>
+          <a:xfrm>
+            <a:off x="5907296" y="279709"/>
+            <a:ext cx="653849" cy="447943"/>
+          </a:xfrm>
+          <a:prstGeom prst="rect">
+            <a:avLst/>
+          </a:prstGeom>
+          <a:noFill/>
+        </p:spPr>
+        <p:txBody>
+          <a:bodyPr wrap="square" rtlCol="0">
+            <a:spAutoFit/>
+          </a:bodyPr>
+          <a:lstStyle/>
+          <a:p>
+            <a:pPr algn="ctr"/>
+            <a:r>
+              <a:rPr lang="en-US" sz="2311" dirty="0"/>
+              <a:t>B</a:t>
+            </a:r>
+          </a:p>
+        </p:txBody>
+      </p:sp>
+    </p:spTree>
+    <p:extLst>
+      <p:ext uri="{BB962C8B-B14F-4D97-AF65-F5344CB8AC3E}">
+        <p14:creationId xmlns:p14="http://schemas.microsoft.com/office/powerpoint/2010/main" val="4094008024"/>
       </p:ext>
     </p:extLst>
   </p:cSld>

--- a/figure-assembly/figure-1.pptx
+++ b/figure-assembly/figure-1.pptx
@@ -244,7 +244,7 @@
           <a:p>
             <a:fld id="{25EC0CD3-564D-9742-98B5-86271438CCE6}" type="datetimeFigureOut">
               <a:rPr lang="en-US" smtClean="0"/>
-              <a:t>3/1/19</a:t>
+              <a:t>2019-09-03</a:t>
             </a:fld>
             <a:endParaRPr lang="en-US"/>
           </a:p>
@@ -286,7 +286,7 @@
           <a:p>
             <a:fld id="{A2D12DD3-8FC7-294C-8E74-A90D62DDF8C3}" type="slidenum">
               <a:rPr lang="en-US" smtClean="0"/>
-              <a:t>‹#›</a:t>
+              <a:t>‹N°›</a:t>
             </a:fld>
             <a:endParaRPr lang="en-US"/>
           </a:p>
@@ -414,7 +414,7 @@
           <a:p>
             <a:fld id="{25EC0CD3-564D-9742-98B5-86271438CCE6}" type="datetimeFigureOut">
               <a:rPr lang="en-US" smtClean="0"/>
-              <a:t>3/1/19</a:t>
+              <a:t>2019-09-03</a:t>
             </a:fld>
             <a:endParaRPr lang="en-US"/>
           </a:p>
@@ -456,7 +456,7 @@
           <a:p>
             <a:fld id="{A2D12DD3-8FC7-294C-8E74-A90D62DDF8C3}" type="slidenum">
               <a:rPr lang="en-US" smtClean="0"/>
-              <a:t>‹#›</a:t>
+              <a:t>‹N°›</a:t>
             </a:fld>
             <a:endParaRPr lang="en-US"/>
           </a:p>
@@ -594,7 +594,7 @@
           <a:p>
             <a:fld id="{25EC0CD3-564D-9742-98B5-86271438CCE6}" type="datetimeFigureOut">
               <a:rPr lang="en-US" smtClean="0"/>
-              <a:t>3/1/19</a:t>
+              <a:t>2019-09-03</a:t>
             </a:fld>
             <a:endParaRPr lang="en-US"/>
           </a:p>
@@ -636,7 +636,7 @@
           <a:p>
             <a:fld id="{A2D12DD3-8FC7-294C-8E74-A90D62DDF8C3}" type="slidenum">
               <a:rPr lang="en-US" smtClean="0"/>
-              <a:t>‹#›</a:t>
+              <a:t>‹N°›</a:t>
             </a:fld>
             <a:endParaRPr lang="en-US"/>
           </a:p>
@@ -764,7 +764,7 @@
           <a:p>
             <a:fld id="{25EC0CD3-564D-9742-98B5-86271438CCE6}" type="datetimeFigureOut">
               <a:rPr lang="en-US" smtClean="0"/>
-              <a:t>3/1/19</a:t>
+              <a:t>2019-09-03</a:t>
             </a:fld>
             <a:endParaRPr lang="en-US"/>
           </a:p>
@@ -806,7 +806,7 @@
           <a:p>
             <a:fld id="{A2D12DD3-8FC7-294C-8E74-A90D62DDF8C3}" type="slidenum">
               <a:rPr lang="en-US" smtClean="0"/>
-              <a:t>‹#›</a:t>
+              <a:t>‹N°›</a:t>
             </a:fld>
             <a:endParaRPr lang="en-US"/>
           </a:p>
@@ -1008,7 +1008,7 @@
           <a:p>
             <a:fld id="{25EC0CD3-564D-9742-98B5-86271438CCE6}" type="datetimeFigureOut">
               <a:rPr lang="en-US" smtClean="0"/>
-              <a:t>3/1/19</a:t>
+              <a:t>2019-09-03</a:t>
             </a:fld>
             <a:endParaRPr lang="en-US"/>
           </a:p>
@@ -1050,7 +1050,7 @@
           <a:p>
             <a:fld id="{A2D12DD3-8FC7-294C-8E74-A90D62DDF8C3}" type="slidenum">
               <a:rPr lang="en-US" smtClean="0"/>
-              <a:t>‹#›</a:t>
+              <a:t>‹N°›</a:t>
             </a:fld>
             <a:endParaRPr lang="en-US"/>
           </a:p>
@@ -1240,7 +1240,7 @@
           <a:p>
             <a:fld id="{25EC0CD3-564D-9742-98B5-86271438CCE6}" type="datetimeFigureOut">
               <a:rPr lang="en-US" smtClean="0"/>
-              <a:t>3/1/19</a:t>
+              <a:t>2019-09-03</a:t>
             </a:fld>
             <a:endParaRPr lang="en-US"/>
           </a:p>
@@ -1282,7 +1282,7 @@
           <a:p>
             <a:fld id="{A2D12DD3-8FC7-294C-8E74-A90D62DDF8C3}" type="slidenum">
               <a:rPr lang="en-US" smtClean="0"/>
-              <a:t>‹#›</a:t>
+              <a:t>‹N°›</a:t>
             </a:fld>
             <a:endParaRPr lang="en-US"/>
           </a:p>
@@ -1607,7 +1607,7 @@
           <a:p>
             <a:fld id="{25EC0CD3-564D-9742-98B5-86271438CCE6}" type="datetimeFigureOut">
               <a:rPr lang="en-US" smtClean="0"/>
-              <a:t>3/1/19</a:t>
+              <a:t>2019-09-03</a:t>
             </a:fld>
             <a:endParaRPr lang="en-US"/>
           </a:p>
@@ -1649,7 +1649,7 @@
           <a:p>
             <a:fld id="{A2D12DD3-8FC7-294C-8E74-A90D62DDF8C3}" type="slidenum">
               <a:rPr lang="en-US" smtClean="0"/>
-              <a:t>‹#›</a:t>
+              <a:t>‹N°›</a:t>
             </a:fld>
             <a:endParaRPr lang="en-US"/>
           </a:p>
@@ -1725,7 +1725,7 @@
           <a:p>
             <a:fld id="{25EC0CD3-564D-9742-98B5-86271438CCE6}" type="datetimeFigureOut">
               <a:rPr lang="en-US" smtClean="0"/>
-              <a:t>3/1/19</a:t>
+              <a:t>2019-09-03</a:t>
             </a:fld>
             <a:endParaRPr lang="en-US"/>
           </a:p>
@@ -1767,7 +1767,7 @@
           <a:p>
             <a:fld id="{A2D12DD3-8FC7-294C-8E74-A90D62DDF8C3}" type="slidenum">
               <a:rPr lang="en-US" smtClean="0"/>
-              <a:t>‹#›</a:t>
+              <a:t>‹N°›</a:t>
             </a:fld>
             <a:endParaRPr lang="en-US"/>
           </a:p>
@@ -1820,7 +1820,7 @@
           <a:p>
             <a:fld id="{25EC0CD3-564D-9742-98B5-86271438CCE6}" type="datetimeFigureOut">
               <a:rPr lang="en-US" smtClean="0"/>
-              <a:t>3/1/19</a:t>
+              <a:t>2019-09-03</a:t>
             </a:fld>
             <a:endParaRPr lang="en-US"/>
           </a:p>
@@ -1862,7 +1862,7 @@
           <a:p>
             <a:fld id="{A2D12DD3-8FC7-294C-8E74-A90D62DDF8C3}" type="slidenum">
               <a:rPr lang="en-US" smtClean="0"/>
-              <a:t>‹#›</a:t>
+              <a:t>‹N°›</a:t>
             </a:fld>
             <a:endParaRPr lang="en-US"/>
           </a:p>
@@ -2097,7 +2097,7 @@
           <a:p>
             <a:fld id="{25EC0CD3-564D-9742-98B5-86271438CCE6}" type="datetimeFigureOut">
               <a:rPr lang="en-US" smtClean="0"/>
-              <a:t>3/1/19</a:t>
+              <a:t>2019-09-03</a:t>
             </a:fld>
             <a:endParaRPr lang="en-US"/>
           </a:p>
@@ -2139,7 +2139,7 @@
           <a:p>
             <a:fld id="{A2D12DD3-8FC7-294C-8E74-A90D62DDF8C3}" type="slidenum">
               <a:rPr lang="en-US" smtClean="0"/>
-              <a:t>‹#›</a:t>
+              <a:t>‹N°›</a:t>
             </a:fld>
             <a:endParaRPr lang="en-US"/>
           </a:p>
@@ -2354,7 +2354,7 @@
           <a:p>
             <a:fld id="{25EC0CD3-564D-9742-98B5-86271438CCE6}" type="datetimeFigureOut">
               <a:rPr lang="en-US" smtClean="0"/>
-              <a:t>3/1/19</a:t>
+              <a:t>2019-09-03</a:t>
             </a:fld>
             <a:endParaRPr lang="en-US"/>
           </a:p>
@@ -2396,7 +2396,7 @@
           <a:p>
             <a:fld id="{A2D12DD3-8FC7-294C-8E74-A90D62DDF8C3}" type="slidenum">
               <a:rPr lang="en-US" smtClean="0"/>
-              <a:t>‹#›</a:t>
+              <a:t>‹N°›</a:t>
             </a:fld>
             <a:endParaRPr lang="en-US"/>
           </a:p>
@@ -2567,7 +2567,7 @@
           <a:p>
             <a:fld id="{25EC0CD3-564D-9742-98B5-86271438CCE6}" type="datetimeFigureOut">
               <a:rPr lang="en-US" smtClean="0"/>
-              <a:t>3/1/19</a:t>
+              <a:t>2019-09-03</a:t>
             </a:fld>
             <a:endParaRPr lang="en-US"/>
           </a:p>
@@ -2645,7 +2645,7 @@
           <a:p>
             <a:fld id="{A2D12DD3-8FC7-294C-8E74-A90D62DDF8C3}" type="slidenum">
               <a:rPr lang="en-US" smtClean="0"/>
-              <a:t>‹#›</a:t>
+              <a:t>‹N°›</a:t>
             </a:fld>
             <a:endParaRPr lang="en-US"/>
           </a:p>
@@ -3678,10 +3678,10 @@
       </p:grpSpPr>
       <p:pic>
         <p:nvPicPr>
-          <p:cNvPr id="18" name="Picture 17">
+          <p:cNvPr id="4" name="Picture 3">
             <a:extLst>
               <a:ext uri="{FF2B5EF4-FFF2-40B4-BE49-F238E27FC236}">
-                <a16:creationId xmlns:a16="http://schemas.microsoft.com/office/drawing/2014/main" id="{050D7499-21DE-764E-8D88-D7A51A879F8A}"/>
+                <a16:creationId xmlns:a16="http://schemas.microsoft.com/office/drawing/2014/main" id="{C76894B8-4BBD-9D43-8508-9FEB849F4B3D}"/>
               </a:ext>
             </a:extLst>
           </p:cNvPr>
@@ -3698,8 +3698,8 @@
         </p:blipFill>
         <p:spPr>
           <a:xfrm>
-            <a:off x="2009070" y="4158000"/>
-            <a:ext cx="2596565" cy="2700000"/>
+            <a:off x="29885" y="621434"/>
+            <a:ext cx="5968580" cy="3032294"/>
           </a:xfrm>
           <a:prstGeom prst="rect">
             <a:avLst/>
@@ -3708,10 +3708,100 @@
       </p:pic>
       <p:pic>
         <p:nvPicPr>
-          <p:cNvPr id="12" name="Picture 11">
+          <p:cNvPr id="23" name="Image 22"/>
+          <p:cNvPicPr>
+            <a:picLocks noChangeAspect="1"/>
+          </p:cNvPicPr>
+          <p:nvPr/>
+        </p:nvPicPr>
+        <p:blipFill>
+          <a:blip r:embed="rId3">
+            <a:extLst>
+              <a:ext uri="{28A0092B-C50C-407E-A947-70E740481C1C}">
+                <a14:useLocalDpi xmlns:a14="http://schemas.microsoft.com/office/drawing/2010/main" val="0"/>
+              </a:ext>
+            </a:extLst>
+          </a:blip>
+          <a:stretch>
+            <a:fillRect/>
+          </a:stretch>
+        </p:blipFill>
+        <p:spPr>
+          <a:xfrm>
+            <a:off x="5159207" y="3904308"/>
+            <a:ext cx="2322078" cy="2415477"/>
+          </a:xfrm>
+          <a:prstGeom prst="rect">
+            <a:avLst/>
+          </a:prstGeom>
+        </p:spPr>
+      </p:pic>
+      <p:pic>
+        <p:nvPicPr>
+          <p:cNvPr id="9" name="Image 8"/>
+          <p:cNvPicPr>
+            <a:picLocks noChangeAspect="1"/>
+          </p:cNvPicPr>
+          <p:nvPr/>
+        </p:nvPicPr>
+        <p:blipFill>
+          <a:blip r:embed="rId4">
+            <a:extLst>
+              <a:ext uri="{28A0092B-C50C-407E-A947-70E740481C1C}">
+                <a14:useLocalDpi xmlns:a14="http://schemas.microsoft.com/office/drawing/2010/main" val="0"/>
+              </a:ext>
+            </a:extLst>
+          </a:blip>
+          <a:stretch>
+            <a:fillRect/>
+          </a:stretch>
+        </p:blipFill>
+        <p:spPr>
+          <a:xfrm>
+            <a:off x="2706587" y="3871629"/>
+            <a:ext cx="2347497" cy="2441918"/>
+          </a:xfrm>
+          <a:prstGeom prst="rect">
+            <a:avLst/>
+          </a:prstGeom>
+        </p:spPr>
+      </p:pic>
+      <p:pic>
+        <p:nvPicPr>
+          <p:cNvPr id="2" name="Image 1"/>
+          <p:cNvPicPr>
+            <a:picLocks noChangeAspect="1"/>
+          </p:cNvPicPr>
+          <p:nvPr/>
+        </p:nvPicPr>
+        <p:blipFill>
+          <a:blip r:embed="rId5">
+            <a:extLst>
+              <a:ext uri="{28A0092B-C50C-407E-A947-70E740481C1C}">
+                <a14:useLocalDpi xmlns:a14="http://schemas.microsoft.com/office/drawing/2010/main" val="0"/>
+              </a:ext>
+            </a:extLst>
+          </a:blip>
+          <a:stretch>
+            <a:fillRect/>
+          </a:stretch>
+        </p:blipFill>
+        <p:spPr>
+          <a:xfrm>
+            <a:off x="229858" y="3839264"/>
+            <a:ext cx="2409726" cy="2506649"/>
+          </a:xfrm>
+          <a:prstGeom prst="rect">
+            <a:avLst/>
+          </a:prstGeom>
+        </p:spPr>
+      </p:pic>
+      <p:pic>
+        <p:nvPicPr>
+          <p:cNvPr id="7" name="Picture 6">
             <a:extLst>
               <a:ext uri="{FF2B5EF4-FFF2-40B4-BE49-F238E27FC236}">
-                <a16:creationId xmlns:a16="http://schemas.microsoft.com/office/drawing/2014/main" id="{94415523-8524-0649-A20E-077504EEDF5A}"/>
+                <a16:creationId xmlns:a16="http://schemas.microsoft.com/office/drawing/2014/main" id="{E17FDF5D-5577-FB47-9112-5097485AEE20}"/>
               </a:ext>
             </a:extLst>
           </p:cNvPr>
@@ -3721,75 +3811,15 @@
           <p:nvPr/>
         </p:nvPicPr>
         <p:blipFill>
-          <a:blip r:embed="rId3"/>
+          <a:blip r:embed="rId6"/>
           <a:stretch>
             <a:fillRect/>
           </a:stretch>
         </p:blipFill>
         <p:spPr>
           <a:xfrm>
-            <a:off x="5848470" y="4127229"/>
-            <a:ext cx="2596565" cy="2700000"/>
-          </a:xfrm>
-          <a:prstGeom prst="rect">
-            <a:avLst/>
-          </a:prstGeom>
-        </p:spPr>
-      </p:pic>
-      <p:pic>
-        <p:nvPicPr>
-          <p:cNvPr id="5" name="Picture 4">
-            <a:extLst>
-              <a:ext uri="{FF2B5EF4-FFF2-40B4-BE49-F238E27FC236}">
-                <a16:creationId xmlns:a16="http://schemas.microsoft.com/office/drawing/2014/main" id="{1D4AA84E-614B-0F42-8352-7C8EE14689E4}"/>
-              </a:ext>
-            </a:extLst>
-          </p:cNvPr>
-          <p:cNvPicPr>
-            <a:picLocks noChangeAspect="1"/>
-          </p:cNvPicPr>
-          <p:nvPr/>
-        </p:nvPicPr>
-        <p:blipFill>
-          <a:blip r:embed="rId4"/>
-          <a:stretch>
-            <a:fillRect/>
-          </a:stretch>
-        </p:blipFill>
-        <p:spPr>
-          <a:xfrm>
-            <a:off x="302885" y="498958"/>
-            <a:ext cx="5402348" cy="3240000"/>
-          </a:xfrm>
-          <a:prstGeom prst="rect">
-            <a:avLst/>
-          </a:prstGeom>
-        </p:spPr>
-      </p:pic>
-      <p:pic>
-        <p:nvPicPr>
-          <p:cNvPr id="8" name="Picture 7">
-            <a:extLst>
-              <a:ext uri="{FF2B5EF4-FFF2-40B4-BE49-F238E27FC236}">
-                <a16:creationId xmlns:a16="http://schemas.microsoft.com/office/drawing/2014/main" id="{DC85F987-E983-BB47-9611-A5328A004DB4}"/>
-              </a:ext>
-            </a:extLst>
-          </p:cNvPr>
-          <p:cNvPicPr>
-            <a:picLocks noChangeAspect="1"/>
-          </p:cNvPicPr>
-          <p:nvPr/>
-        </p:nvPicPr>
-        <p:blipFill>
-          <a:blip r:embed="rId5"/>
-          <a:stretch>
-            <a:fillRect/>
-          </a:stretch>
-        </p:blipFill>
-        <p:spPr>
-          <a:xfrm>
-            <a:off x="6056961" y="694508"/>
-            <a:ext cx="3780000" cy="1788750"/>
+            <a:off x="6250637" y="844143"/>
+            <a:ext cx="3740707" cy="1770156"/>
           </a:xfrm>
           <a:prstGeom prst="rect">
             <a:avLst/>
@@ -3810,7 +3840,7 @@
         </p:nvSpPr>
         <p:spPr>
           <a:xfrm>
-            <a:off x="271628" y="279709"/>
+            <a:off x="106254" y="173491"/>
             <a:ext cx="653849" cy="447943"/>
           </a:xfrm>
           <a:prstGeom prst="rect">
@@ -3846,7 +3876,7 @@
         </p:nvSpPr>
         <p:spPr>
           <a:xfrm>
-            <a:off x="5359043" y="3684312"/>
+            <a:off x="2438529" y="3450126"/>
             <a:ext cx="653849" cy="447943"/>
           </a:xfrm>
           <a:prstGeom prst="rect">
@@ -3882,7 +3912,7 @@
         </p:nvSpPr>
         <p:spPr>
           <a:xfrm>
-            <a:off x="1507808" y="3684312"/>
+            <a:off x="143227" y="3439561"/>
             <a:ext cx="653849" cy="447943"/>
           </a:xfrm>
           <a:prstGeom prst="rect">
@@ -3900,78 +3930,6 @@
             <a:r>
               <a:rPr lang="en-US" sz="2311" dirty="0"/>
               <a:t>C</a:t>
-            </a:r>
-          </a:p>
-        </p:txBody>
-      </p:sp>
-      <p:sp>
-        <p:nvSpPr>
-          <p:cNvPr id="11" name="TextBox 10">
-            <a:extLst>
-              <a:ext uri="{FF2B5EF4-FFF2-40B4-BE49-F238E27FC236}">
-                <a16:creationId xmlns:a16="http://schemas.microsoft.com/office/drawing/2014/main" id="{21C26C2C-A6D4-CC40-9147-2E88070074D5}"/>
-              </a:ext>
-            </a:extLst>
-          </p:cNvPr>
-          <p:cNvSpPr txBox="1"/>
-          <p:nvPr/>
-        </p:nvSpPr>
-        <p:spPr>
-          <a:xfrm>
-            <a:off x="2898218" y="3847238"/>
-            <a:ext cx="1197864" cy="338554"/>
-          </a:xfrm>
-          <a:prstGeom prst="rect">
-            <a:avLst/>
-          </a:prstGeom>
-          <a:noFill/>
-        </p:spPr>
-        <p:txBody>
-          <a:bodyPr wrap="square" rtlCol="0">
-            <a:spAutoFit/>
-          </a:bodyPr>
-          <a:lstStyle/>
-          <a:p>
-            <a:pPr algn="ctr"/>
-            <a:r>
-              <a:rPr lang="en-US" sz="1600" dirty="0"/>
-              <a:t>Fitted</a:t>
-            </a:r>
-          </a:p>
-        </p:txBody>
-      </p:sp>
-      <p:sp>
-        <p:nvSpPr>
-          <p:cNvPr id="14" name="TextBox 13">
-            <a:extLst>
-              <a:ext uri="{FF2B5EF4-FFF2-40B4-BE49-F238E27FC236}">
-                <a16:creationId xmlns:a16="http://schemas.microsoft.com/office/drawing/2014/main" id="{DD45CC1B-B5E0-D947-8CAE-305A0328A523}"/>
-              </a:ext>
-            </a:extLst>
-          </p:cNvPr>
-          <p:cNvSpPr txBox="1"/>
-          <p:nvPr/>
-        </p:nvSpPr>
-        <p:spPr>
-          <a:xfrm>
-            <a:off x="6692598" y="3828232"/>
-            <a:ext cx="1197864" cy="338554"/>
-          </a:xfrm>
-          <a:prstGeom prst="rect">
-            <a:avLst/>
-          </a:prstGeom>
-          <a:noFill/>
-        </p:spPr>
-        <p:txBody>
-          <a:bodyPr wrap="square" rtlCol="0">
-            <a:spAutoFit/>
-          </a:bodyPr>
-          <a:lstStyle/>
-          <a:p>
-            <a:pPr algn="ctr"/>
-            <a:r>
-              <a:rPr lang="en-US" sz="1600" dirty="0"/>
-              <a:t>Predicted</a:t>
             </a:r>
           </a:p>
         </p:txBody>
@@ -3990,7 +3948,7 @@
         </p:nvSpPr>
         <p:spPr>
           <a:xfrm rot="19703640">
-            <a:off x="2782817" y="5700355"/>
+            <a:off x="909408" y="5355608"/>
             <a:ext cx="1721922" cy="246221"/>
           </a:xfrm>
           <a:prstGeom prst="rect">
@@ -4006,7 +3964,10 @@
           <a:p>
             <a:pPr algn="ctr"/>
             <a:r>
-              <a:rPr lang="en-US" sz="1000" dirty="0"/>
+              <a:rPr lang="en-US" sz="1000" dirty="0">
+                <a:latin typeface="Arial" panose="020B0604020202020204" pitchFamily="34" charset="0"/>
+                <a:cs typeface="Arial" panose="020B0604020202020204" pitchFamily="34" charset="0"/>
+              </a:rPr>
               <a:t>nutrient quality</a:t>
             </a:r>
           </a:p>
@@ -4025,8 +3986,8 @@
           <p:nvPr/>
         </p:nvSpPr>
         <p:spPr>
-          <a:xfrm rot="1438059">
-            <a:off x="2554547" y="4444833"/>
+          <a:xfrm rot="1167601">
+            <a:off x="853664" y="4143213"/>
             <a:ext cx="1925781" cy="246221"/>
           </a:xfrm>
           <a:prstGeom prst="rect">
@@ -4042,7 +4003,10 @@
           <a:p>
             <a:pPr algn="ctr"/>
             <a:r>
-              <a:rPr lang="en-US" sz="1000" dirty="0"/>
+              <a:rPr lang="en-US" sz="1000" dirty="0">
+                <a:latin typeface="Arial" panose="020B0604020202020204" pitchFamily="34" charset="0"/>
+                <a:cs typeface="Arial" panose="020B0604020202020204" pitchFamily="34" charset="0"/>
+              </a:rPr>
               <a:t>chloramphenicol</a:t>
             </a:r>
           </a:p>
@@ -4061,8 +4025,8 @@
           <p:nvPr/>
         </p:nvSpPr>
         <p:spPr>
-          <a:xfrm rot="3055022">
-            <a:off x="6533791" y="4835894"/>
+          <a:xfrm rot="2525420">
+            <a:off x="3252034" y="4788764"/>
             <a:ext cx="1858123" cy="246221"/>
           </a:xfrm>
           <a:prstGeom prst="rect">
@@ -4078,7 +4042,10 @@
           <a:p>
             <a:pPr algn="ctr"/>
             <a:r>
-              <a:rPr lang="en-US" sz="1000" dirty="0"/>
+              <a:rPr lang="en-US" sz="1000" dirty="0">
+                <a:latin typeface="Arial" panose="020B0604020202020204" pitchFamily="34" charset="0"/>
+                <a:cs typeface="Arial" panose="020B0604020202020204" pitchFamily="34" charset="0"/>
+              </a:rPr>
               <a:t>useless expression strength</a:t>
             </a:r>
           </a:p>
@@ -4100,7 +4067,7 @@
         </p:nvCxnSpPr>
         <p:spPr>
           <a:xfrm flipV="1">
-            <a:off x="2919719" y="5293957"/>
+            <a:off x="1046310" y="4949210"/>
             <a:ext cx="1320353" cy="785185"/>
           </a:xfrm>
           <a:prstGeom prst="straightConnector1">
@@ -4143,9 +4110,9 @@
           <p:nvPr/>
         </p:nvCxnSpPr>
         <p:spPr>
-          <a:xfrm rot="21391427" flipH="1" flipV="1">
-            <a:off x="2646964" y="4251021"/>
-            <a:ext cx="1581397" cy="852073"/>
+          <a:xfrm flipH="1" flipV="1">
+            <a:off x="946286" y="4154181"/>
+            <a:ext cx="1420377" cy="468097"/>
           </a:xfrm>
           <a:prstGeom prst="straightConnector1">
             <a:avLst/>
@@ -4188,8 +4155,8 @@
         </p:nvCxnSpPr>
         <p:spPr>
           <a:xfrm flipH="1" flipV="1">
-            <a:off x="6781568" y="4619715"/>
-            <a:ext cx="938383" cy="1149864"/>
+            <a:off x="3552822" y="4595822"/>
+            <a:ext cx="992422" cy="874410"/>
           </a:xfrm>
           <a:prstGeom prst="straightConnector1">
             <a:avLst/>
@@ -4230,8 +4197,8 @@
         </p:nvSpPr>
         <p:spPr>
           <a:xfrm>
-            <a:off x="7647377" y="5805297"/>
-            <a:ext cx="931826" cy="400110"/>
+            <a:off x="3423948" y="5488174"/>
+            <a:ext cx="1197499" cy="246221"/>
           </a:xfrm>
           <a:prstGeom prst="rect">
             <a:avLst/>
@@ -4246,7 +4213,10 @@
           <a:p>
             <a:pPr algn="ctr"/>
             <a:r>
-              <a:rPr lang="en-US" sz="1000" dirty="0"/>
+              <a:rPr lang="en-US" sz="1000" dirty="0">
+                <a:latin typeface="Arial" panose="020B0604020202020204" pitchFamily="34" charset="0"/>
+                <a:cs typeface="Arial" panose="020B0604020202020204" pitchFamily="34" charset="0"/>
+              </a:rPr>
               <a:t>nutrient quality</a:t>
             </a:r>
           </a:p>
@@ -4268,8 +4238,8 @@
         </p:nvCxnSpPr>
         <p:spPr>
           <a:xfrm>
-            <a:off x="6646128" y="6038260"/>
-            <a:ext cx="1209262" cy="0"/>
+            <a:off x="3217434" y="5715779"/>
+            <a:ext cx="1678416" cy="0"/>
           </a:xfrm>
           <a:prstGeom prst="straightConnector1">
             <a:avLst/>
@@ -4310,7 +4280,7 @@
         </p:nvSpPr>
         <p:spPr>
           <a:xfrm>
-            <a:off x="5907296" y="279709"/>
+            <a:off x="6106679" y="173491"/>
             <a:ext cx="653849" cy="447943"/>
           </a:xfrm>
           <a:prstGeom prst="rect">
@@ -4332,10 +4302,446 @@
           </a:p>
         </p:txBody>
       </p:sp>
+      <p:sp>
+        <p:nvSpPr>
+          <p:cNvPr id="36" name="TextBox 18">
+            <a:extLst>
+              <a:ext uri="{FF2B5EF4-FFF2-40B4-BE49-F238E27FC236}">
+                <a16:creationId xmlns:a16="http://schemas.microsoft.com/office/drawing/2014/main" id="{911ECD02-6A9D-A34F-AB9A-0AEE7695EF60}"/>
+              </a:ext>
+            </a:extLst>
+          </p:cNvPr>
+          <p:cNvSpPr txBox="1"/>
+          <p:nvPr/>
+        </p:nvSpPr>
+        <p:spPr>
+          <a:xfrm>
+            <a:off x="7312993" y="3465328"/>
+            <a:ext cx="653849" cy="447943"/>
+          </a:xfrm>
+          <a:prstGeom prst="rect">
+            <a:avLst/>
+          </a:prstGeom>
+          <a:noFill/>
+        </p:spPr>
+        <p:txBody>
+          <a:bodyPr wrap="square" rtlCol="0">
+            <a:spAutoFit/>
+          </a:bodyPr>
+          <a:lstStyle/>
+          <a:p>
+            <a:pPr algn="ctr"/>
+            <a:r>
+              <a:rPr lang="en-US" sz="2311" dirty="0" smtClean="0"/>
+              <a:t>F</a:t>
+            </a:r>
+            <a:endParaRPr lang="en-US" sz="2311" dirty="0"/>
+          </a:p>
+        </p:txBody>
+      </p:sp>
+      <p:sp>
+        <p:nvSpPr>
+          <p:cNvPr id="37" name="TextBox 5">
+            <a:extLst>
+              <a:ext uri="{FF2B5EF4-FFF2-40B4-BE49-F238E27FC236}">
+                <a16:creationId xmlns:a16="http://schemas.microsoft.com/office/drawing/2014/main" id="{BCC2B194-BC2D-3245-9250-59A2BA620129}"/>
+              </a:ext>
+            </a:extLst>
+          </p:cNvPr>
+          <p:cNvSpPr txBox="1"/>
+          <p:nvPr/>
+        </p:nvSpPr>
+        <p:spPr>
+          <a:xfrm>
+            <a:off x="4887871" y="3439561"/>
+            <a:ext cx="653849" cy="447943"/>
+          </a:xfrm>
+          <a:prstGeom prst="rect">
+            <a:avLst/>
+          </a:prstGeom>
+          <a:noFill/>
+        </p:spPr>
+        <p:txBody>
+          <a:bodyPr wrap="square" rtlCol="0">
+            <a:spAutoFit/>
+          </a:bodyPr>
+          <a:lstStyle/>
+          <a:p>
+            <a:pPr algn="ctr"/>
+            <a:r>
+              <a:rPr lang="en-US" sz="2311" dirty="0" smtClean="0"/>
+              <a:t>E</a:t>
+            </a:r>
+            <a:endParaRPr lang="en-US" sz="2311" dirty="0"/>
+          </a:p>
+        </p:txBody>
+      </p:sp>
+      <p:pic>
+        <p:nvPicPr>
+          <p:cNvPr id="25" name="Image 24"/>
+          <p:cNvPicPr>
+            <a:picLocks noChangeAspect="1"/>
+          </p:cNvPicPr>
+          <p:nvPr/>
+        </p:nvPicPr>
+        <p:blipFill>
+          <a:blip r:embed="rId7">
+            <a:extLst>
+              <a:ext uri="{28A0092B-C50C-407E-A947-70E740481C1C}">
+                <a14:useLocalDpi xmlns:a14="http://schemas.microsoft.com/office/drawing/2010/main" val="0"/>
+              </a:ext>
+            </a:extLst>
+          </a:blip>
+          <a:stretch>
+            <a:fillRect/>
+          </a:stretch>
+        </p:blipFill>
+        <p:spPr>
+          <a:xfrm>
+            <a:off x="7573707" y="3913271"/>
+            <a:ext cx="2322080" cy="2415478"/>
+          </a:xfrm>
+          <a:prstGeom prst="rect">
+            <a:avLst/>
+          </a:prstGeom>
+        </p:spPr>
+      </p:pic>
+      <p:sp>
+        <p:nvSpPr>
+          <p:cNvPr id="38" name="TextBox 33">
+            <a:extLst>
+              <a:ext uri="{FF2B5EF4-FFF2-40B4-BE49-F238E27FC236}">
+                <a16:creationId xmlns:a16="http://schemas.microsoft.com/office/drawing/2014/main" id="{70E62564-86B6-D142-8D3B-EDC18001055B}"/>
+              </a:ext>
+            </a:extLst>
+          </p:cNvPr>
+          <p:cNvSpPr txBox="1"/>
+          <p:nvPr/>
+        </p:nvSpPr>
+        <p:spPr>
+          <a:xfrm rot="20422514">
+            <a:off x="5839396" y="4826099"/>
+            <a:ext cx="1197499" cy="246221"/>
+          </a:xfrm>
+          <a:prstGeom prst="rect">
+            <a:avLst/>
+          </a:prstGeom>
+          <a:noFill/>
+        </p:spPr>
+        <p:txBody>
+          <a:bodyPr wrap="square" rtlCol="0">
+            <a:spAutoFit/>
+          </a:bodyPr>
+          <a:lstStyle/>
+          <a:p>
+            <a:pPr algn="ctr"/>
+            <a:r>
+              <a:rPr lang="en-US" sz="1000" dirty="0">
+                <a:latin typeface="Arial" panose="020B0604020202020204" pitchFamily="34" charset="0"/>
+                <a:cs typeface="Arial" panose="020B0604020202020204" pitchFamily="34" charset="0"/>
+              </a:rPr>
+              <a:t>nutrient quality</a:t>
+            </a:r>
+          </a:p>
+        </p:txBody>
+      </p:sp>
+      <p:cxnSp>
+        <p:nvCxnSpPr>
+          <p:cNvPr id="39" name="Straight Arrow Connector 34">
+            <a:extLst>
+              <a:ext uri="{FF2B5EF4-FFF2-40B4-BE49-F238E27FC236}">
+                <a16:creationId xmlns:a16="http://schemas.microsoft.com/office/drawing/2014/main" id="{AD32726E-A487-FC4C-BAD2-C2764855C8A2}"/>
+              </a:ext>
+            </a:extLst>
+          </p:cNvPr>
+          <p:cNvCxnSpPr>
+            <a:cxnSpLocks/>
+          </p:cNvCxnSpPr>
+          <p:nvPr/>
+        </p:nvCxnSpPr>
+        <p:spPr>
+          <a:xfrm flipV="1">
+            <a:off x="6058188" y="4881099"/>
+            <a:ext cx="936784" cy="377482"/>
+          </a:xfrm>
+          <a:prstGeom prst="straightConnector1">
+            <a:avLst/>
+          </a:prstGeom>
+          <a:ln>
+            <a:solidFill>
+              <a:schemeClr val="tx1"/>
+            </a:solidFill>
+            <a:tailEnd type="triangle"/>
+          </a:ln>
+        </p:spPr>
+        <p:style>
+          <a:lnRef idx="1">
+            <a:schemeClr val="accent1"/>
+          </a:lnRef>
+          <a:fillRef idx="0">
+            <a:schemeClr val="accent1"/>
+          </a:fillRef>
+          <a:effectRef idx="0">
+            <a:schemeClr val="accent1"/>
+          </a:effectRef>
+          <a:fontRef idx="minor">
+            <a:schemeClr val="tx1"/>
+          </a:fontRef>
+        </p:style>
+      </p:cxnSp>
+      <p:sp>
+        <p:nvSpPr>
+          <p:cNvPr id="44" name="TextBox 28">
+            <a:extLst>
+              <a:ext uri="{FF2B5EF4-FFF2-40B4-BE49-F238E27FC236}">
+                <a16:creationId xmlns:a16="http://schemas.microsoft.com/office/drawing/2014/main" id="{1F5B14A8-29C7-E340-ABFA-3954C20A3032}"/>
+              </a:ext>
+            </a:extLst>
+          </p:cNvPr>
+          <p:cNvSpPr txBox="1"/>
+          <p:nvPr/>
+        </p:nvSpPr>
+        <p:spPr>
+          <a:xfrm rot="468791">
+            <a:off x="5531290" y="4222817"/>
+            <a:ext cx="1925781" cy="246221"/>
+          </a:xfrm>
+          <a:prstGeom prst="rect">
+            <a:avLst/>
+          </a:prstGeom>
+          <a:noFill/>
+        </p:spPr>
+        <p:txBody>
+          <a:bodyPr wrap="square" rtlCol="0">
+            <a:spAutoFit/>
+          </a:bodyPr>
+          <a:lstStyle/>
+          <a:p>
+            <a:pPr algn="ctr"/>
+            <a:r>
+              <a:rPr lang="en-US" sz="1000" dirty="0">
+                <a:latin typeface="Arial" panose="020B0604020202020204" pitchFamily="34" charset="0"/>
+                <a:cs typeface="Arial" panose="020B0604020202020204" pitchFamily="34" charset="0"/>
+              </a:rPr>
+              <a:t>chloramphenicol</a:t>
+            </a:r>
+          </a:p>
+        </p:txBody>
+      </p:sp>
+      <p:cxnSp>
+        <p:nvCxnSpPr>
+          <p:cNvPr id="45" name="Straight Arrow Connector 31">
+            <a:extLst>
+              <a:ext uri="{FF2B5EF4-FFF2-40B4-BE49-F238E27FC236}">
+                <a16:creationId xmlns:a16="http://schemas.microsoft.com/office/drawing/2014/main" id="{9613CAC1-7195-684D-AF43-CF2F7E1CD73B}"/>
+              </a:ext>
+            </a:extLst>
+          </p:cNvPr>
+          <p:cNvCxnSpPr>
+            <a:cxnSpLocks/>
+          </p:cNvCxnSpPr>
+          <p:nvPr/>
+        </p:nvCxnSpPr>
+        <p:spPr>
+          <a:xfrm flipH="1" flipV="1">
+            <a:off x="5735782" y="4345928"/>
+            <a:ext cx="1376954" cy="209249"/>
+          </a:xfrm>
+          <a:prstGeom prst="straightConnector1">
+            <a:avLst/>
+          </a:prstGeom>
+          <a:ln>
+            <a:solidFill>
+              <a:schemeClr val="tx1"/>
+            </a:solidFill>
+            <a:tailEnd type="triangle"/>
+          </a:ln>
+        </p:spPr>
+        <p:style>
+          <a:lnRef idx="1">
+            <a:schemeClr val="accent1"/>
+          </a:lnRef>
+          <a:fillRef idx="0">
+            <a:schemeClr val="accent1"/>
+          </a:fillRef>
+          <a:effectRef idx="0">
+            <a:schemeClr val="accent1"/>
+          </a:effectRef>
+          <a:fontRef idx="minor">
+            <a:schemeClr val="tx1"/>
+          </a:fontRef>
+        </p:style>
+      </p:cxnSp>
+      <p:sp>
+        <p:nvSpPr>
+          <p:cNvPr id="51" name="TextBox 33">
+            <a:extLst>
+              <a:ext uri="{FF2B5EF4-FFF2-40B4-BE49-F238E27FC236}">
+                <a16:creationId xmlns:a16="http://schemas.microsoft.com/office/drawing/2014/main" id="{70E62564-86B6-D142-8D3B-EDC18001055B}"/>
+              </a:ext>
+            </a:extLst>
+          </p:cNvPr>
+          <p:cNvSpPr txBox="1"/>
+          <p:nvPr/>
+        </p:nvSpPr>
+        <p:spPr>
+          <a:xfrm>
+            <a:off x="8365357" y="4008200"/>
+            <a:ext cx="1197499" cy="246221"/>
+          </a:xfrm>
+          <a:prstGeom prst="rect">
+            <a:avLst/>
+          </a:prstGeom>
+          <a:noFill/>
+        </p:spPr>
+        <p:txBody>
+          <a:bodyPr wrap="square" rtlCol="0">
+            <a:spAutoFit/>
+          </a:bodyPr>
+          <a:lstStyle/>
+          <a:p>
+            <a:pPr algn="ctr"/>
+            <a:r>
+              <a:rPr lang="en-US" sz="1000" dirty="0">
+                <a:latin typeface="Arial" panose="020B0604020202020204" pitchFamily="34" charset="0"/>
+                <a:cs typeface="Arial" panose="020B0604020202020204" pitchFamily="34" charset="0"/>
+              </a:rPr>
+              <a:t>nutrient quality</a:t>
+            </a:r>
+          </a:p>
+        </p:txBody>
+      </p:sp>
+      <p:cxnSp>
+        <p:nvCxnSpPr>
+          <p:cNvPr id="52" name="Straight Arrow Connector 34">
+            <a:extLst>
+              <a:ext uri="{FF2B5EF4-FFF2-40B4-BE49-F238E27FC236}">
+                <a16:creationId xmlns:a16="http://schemas.microsoft.com/office/drawing/2014/main" id="{AD32726E-A487-FC4C-BAD2-C2764855C8A2}"/>
+              </a:ext>
+            </a:extLst>
+          </p:cNvPr>
+          <p:cNvCxnSpPr>
+            <a:cxnSpLocks/>
+          </p:cNvCxnSpPr>
+          <p:nvPr/>
+        </p:nvCxnSpPr>
+        <p:spPr>
+          <a:xfrm flipV="1">
+            <a:off x="8520258" y="4245331"/>
+            <a:ext cx="1009150" cy="2163"/>
+          </a:xfrm>
+          <a:prstGeom prst="straightConnector1">
+            <a:avLst/>
+          </a:prstGeom>
+          <a:ln>
+            <a:solidFill>
+              <a:schemeClr val="tx1"/>
+            </a:solidFill>
+            <a:tailEnd type="triangle"/>
+          </a:ln>
+        </p:spPr>
+        <p:style>
+          <a:lnRef idx="1">
+            <a:schemeClr val="accent1"/>
+          </a:lnRef>
+          <a:fillRef idx="0">
+            <a:schemeClr val="accent1"/>
+          </a:fillRef>
+          <a:effectRef idx="0">
+            <a:schemeClr val="accent1"/>
+          </a:effectRef>
+          <a:fontRef idx="minor">
+            <a:schemeClr val="tx1"/>
+          </a:fontRef>
+        </p:style>
+      </p:cxnSp>
+      <p:cxnSp>
+        <p:nvCxnSpPr>
+          <p:cNvPr id="55" name="Straight Arrow Connector 31">
+            <a:extLst>
+              <a:ext uri="{FF2B5EF4-FFF2-40B4-BE49-F238E27FC236}">
+                <a16:creationId xmlns:a16="http://schemas.microsoft.com/office/drawing/2014/main" id="{9613CAC1-7195-684D-AF43-CF2F7E1CD73B}"/>
+              </a:ext>
+            </a:extLst>
+          </p:cNvPr>
+          <p:cNvCxnSpPr>
+            <a:cxnSpLocks/>
+          </p:cNvCxnSpPr>
+          <p:nvPr/>
+        </p:nvCxnSpPr>
+        <p:spPr>
+          <a:xfrm flipH="1">
+            <a:off x="8645236" y="4707577"/>
+            <a:ext cx="910334" cy="859139"/>
+          </a:xfrm>
+          <a:prstGeom prst="straightConnector1">
+            <a:avLst/>
+          </a:prstGeom>
+          <a:ln>
+            <a:solidFill>
+              <a:schemeClr val="tx1"/>
+            </a:solidFill>
+            <a:tailEnd type="triangle"/>
+          </a:ln>
+        </p:spPr>
+        <p:style>
+          <a:lnRef idx="1">
+            <a:schemeClr val="accent1"/>
+          </a:lnRef>
+          <a:fillRef idx="0">
+            <a:schemeClr val="accent1"/>
+          </a:fillRef>
+          <a:effectRef idx="0">
+            <a:schemeClr val="accent1"/>
+          </a:effectRef>
+          <a:fontRef idx="minor">
+            <a:schemeClr val="tx1"/>
+          </a:fontRef>
+        </p:style>
+      </p:cxnSp>
+      <p:sp>
+        <p:nvSpPr>
+          <p:cNvPr id="58" name="TextBox 28">
+            <a:extLst>
+              <a:ext uri="{FF2B5EF4-FFF2-40B4-BE49-F238E27FC236}">
+                <a16:creationId xmlns:a16="http://schemas.microsoft.com/office/drawing/2014/main" id="{1F5B14A8-29C7-E340-ABFA-3954C20A3032}"/>
+              </a:ext>
+            </a:extLst>
+          </p:cNvPr>
+          <p:cNvSpPr txBox="1"/>
+          <p:nvPr/>
+        </p:nvSpPr>
+        <p:spPr>
+          <a:xfrm rot="19093082">
+            <a:off x="8281536" y="5006273"/>
+            <a:ext cx="1925781" cy="246221"/>
+          </a:xfrm>
+          <a:prstGeom prst="rect">
+            <a:avLst/>
+          </a:prstGeom>
+          <a:noFill/>
+        </p:spPr>
+        <p:txBody>
+          <a:bodyPr wrap="square" rtlCol="0">
+            <a:spAutoFit/>
+          </a:bodyPr>
+          <a:lstStyle/>
+          <a:p>
+            <a:pPr algn="ctr"/>
+            <a:r>
+              <a:rPr lang="en-US" sz="1000" dirty="0">
+                <a:latin typeface="Arial" panose="020B0604020202020204" pitchFamily="34" charset="0"/>
+                <a:cs typeface="Arial" panose="020B0604020202020204" pitchFamily="34" charset="0"/>
+              </a:rPr>
+              <a:t>chloramphenicol</a:t>
+            </a:r>
+          </a:p>
+        </p:txBody>
+      </p:sp>
     </p:spTree>
     <p:extLst>
       <p:ext uri="{BB962C8B-B14F-4D97-AF65-F5344CB8AC3E}">
-        <p14:creationId xmlns:p14="http://schemas.microsoft.com/office/powerpoint/2010/main" val="4094008024"/>
+        <p14:creationId xmlns:p14="http://schemas.microsoft.com/office/powerpoint/2010/main" val="3516146898"/>
       </p:ext>
     </p:extLst>
   </p:cSld>
